--- a/src/dynawo_validation/doc/conf_paper/figs/figs_transient_characteristics.pptx
+++ b/src/dynawo_validation/doc/conf_paper/figs/figs_transient_characteristics.pptx
@@ -254,7 +254,7 @@
           <a:p>
             <a:fld id="{42691DDE-BA6A-4F57-909C-98F49C72955F}" type="datetimeFigureOut">
               <a:rPr lang="en-GB" smtClean="0"/>
-              <a:t>03/12/2020</a:t>
+              <a:t>11/11/2021</a:t>
             </a:fld>
             <a:endParaRPr lang="en-GB"/>
           </a:p>
@@ -419,7 +419,7 @@
           <a:p>
             <a:fld id="{CBAAC5B1-F58D-4268-BB75-9856A9D794A6}" type="datetimeFigureOut">
               <a:rPr lang="en-GB" smtClean="0"/>
-              <a:t>03/12/2020</a:t>
+              <a:t>11/11/2021</a:t>
             </a:fld>
             <a:endParaRPr lang="en-GB"/>
           </a:p>
@@ -10788,10 +10788,10 @@
         </p:nvGrpSpPr>
         <p:grpSpPr>
           <a:xfrm>
-            <a:off x="84657" y="639000"/>
-            <a:ext cx="8974686" cy="5580000"/>
-            <a:chOff x="-713215" y="1932047"/>
-            <a:chExt cx="4796806" cy="2982408"/>
+            <a:off x="144790" y="682130"/>
+            <a:ext cx="8802415" cy="5476744"/>
+            <a:chOff x="-621139" y="1932047"/>
+            <a:chExt cx="4704730" cy="2927220"/>
           </a:xfrm>
         </p:grpSpPr>
         <p:sp>
@@ -11522,8 +11522,8 @@
           </p:nvSpPr>
           <p:spPr>
             <a:xfrm>
-              <a:off x="3339950" y="3108177"/>
-              <a:ext cx="495761" cy="307777"/>
+              <a:off x="3339950" y="3163365"/>
+              <a:ext cx="495761" cy="197401"/>
             </a:xfrm>
             <a:prstGeom prst="rect">
               <a:avLst/>
@@ -11531,21 +11531,21 @@
             <a:noFill/>
           </p:spPr>
           <p:txBody>
-            <a:bodyPr wrap="square" lIns="0" tIns="0" rIns="0" bIns="0" rtlCol="0">
+            <a:bodyPr wrap="square" lIns="0" tIns="0" rIns="0" bIns="0" rtlCol="0" anchor="ctr">
               <a:spAutoFit/>
             </a:bodyPr>
             <a:lstStyle/>
             <a:p>
               <a:pPr algn="ctr"/>
               <a:r>
-                <a:rPr lang="en-US" sz="2000" i="1" dirty="0" err="1">
+                <a:rPr lang="en-US" sz="2400" i="1" dirty="0" err="1">
                   <a:latin typeface="Times New Roman" panose="02020603050405020304" pitchFamily="18" charset="0"/>
                   <a:ea typeface="Palatino" pitchFamily="2" charset="77"/>
                   <a:cs typeface="Times New Roman" panose="02020603050405020304" pitchFamily="18" charset="0"/>
                 </a:rPr>
                 <a:t>dSS</a:t>
               </a:r>
-              <a:endParaRPr lang="en-US" sz="2000" i="1" dirty="0">
+              <a:endParaRPr lang="en-US" sz="2400" i="1" dirty="0">
                 <a:latin typeface="Times New Roman" panose="02020603050405020304" pitchFamily="18" charset="0"/>
                 <a:ea typeface="Palatino" pitchFamily="2" charset="77"/>
                 <a:cs typeface="Times New Roman" panose="02020603050405020304" pitchFamily="18" charset="0"/>
@@ -11567,8 +11567,8 @@
           </p:nvSpPr>
           <p:spPr>
             <a:xfrm>
-              <a:off x="451695" y="3815925"/>
-              <a:ext cx="495761" cy="307777"/>
+              <a:off x="451695" y="3871113"/>
+              <a:ext cx="495761" cy="197401"/>
             </a:xfrm>
             <a:prstGeom prst="rect">
               <a:avLst/>
@@ -11576,21 +11576,21 @@
             <a:noFill/>
           </p:spPr>
           <p:txBody>
-            <a:bodyPr wrap="square" lIns="0" tIns="0" rIns="0" bIns="0" rtlCol="0">
+            <a:bodyPr wrap="square" lIns="0" tIns="0" rIns="0" bIns="0" rtlCol="0" anchor="ctr">
               <a:spAutoFit/>
             </a:bodyPr>
             <a:lstStyle/>
             <a:p>
               <a:pPr algn="ctr"/>
               <a:r>
-                <a:rPr lang="en-US" sz="2000" i="1" dirty="0" err="1">
+                <a:rPr lang="en-US" sz="2400" i="1" dirty="0" err="1">
                   <a:latin typeface="Times New Roman" panose="02020603050405020304" pitchFamily="18" charset="0"/>
                   <a:ea typeface="Palatino" pitchFamily="2" charset="77"/>
                   <a:cs typeface="Times New Roman" panose="02020603050405020304" pitchFamily="18" charset="0"/>
                 </a:rPr>
                 <a:t>dPP</a:t>
               </a:r>
-              <a:endParaRPr lang="en-US" sz="2000" i="1" dirty="0">
+              <a:endParaRPr lang="en-US" sz="2400" i="1" dirty="0">
                 <a:latin typeface="Times New Roman" panose="02020603050405020304" pitchFamily="18" charset="0"/>
                 <a:ea typeface="Palatino" pitchFamily="2" charset="77"/>
                 <a:cs typeface="Times New Roman" panose="02020603050405020304" pitchFamily="18" charset="0"/>
@@ -11612,8 +11612,8 @@
           </p:nvSpPr>
           <p:spPr>
             <a:xfrm>
-              <a:off x="2251119" y="2468137"/>
-              <a:ext cx="372741" cy="307777"/>
+              <a:off x="2251119" y="2523326"/>
+              <a:ext cx="372741" cy="197401"/>
             </a:xfrm>
             <a:prstGeom prst="rect">
               <a:avLst/>
@@ -11621,14 +11621,14 @@
             <a:noFill/>
           </p:spPr>
           <p:txBody>
-            <a:bodyPr wrap="square" lIns="0" tIns="0" rIns="0" bIns="0" rtlCol="0">
+            <a:bodyPr wrap="square" lIns="0" tIns="0" rIns="0" bIns="0" rtlCol="0" anchor="ctr">
               <a:spAutoFit/>
             </a:bodyPr>
             <a:lstStyle/>
             <a:p>
               <a:pPr algn="ctr"/>
               <a:r>
-                <a:rPr lang="en-US" sz="2000" i="1" dirty="0">
+                <a:rPr lang="en-US" sz="2400" i="1" dirty="0">
                   <a:latin typeface="Times New Roman" panose="02020603050405020304" pitchFamily="18" charset="0"/>
                   <a:ea typeface="Palatino" pitchFamily="2" charset="77"/>
                   <a:cs typeface="Times New Roman" panose="02020603050405020304" pitchFamily="18" charset="0"/>
@@ -11652,8 +11652,8 @@
           </p:nvSpPr>
           <p:spPr>
             <a:xfrm>
-              <a:off x="1657125" y="4606678"/>
-              <a:ext cx="479234" cy="307777"/>
+              <a:off x="1657125" y="4661866"/>
+              <a:ext cx="479234" cy="197401"/>
             </a:xfrm>
             <a:prstGeom prst="rect">
               <a:avLst/>
@@ -11661,14 +11661,14 @@
             <a:noFill/>
           </p:spPr>
           <p:txBody>
-            <a:bodyPr wrap="square" lIns="0" tIns="0" rIns="0" bIns="0" rtlCol="0">
+            <a:bodyPr wrap="square" lIns="0" tIns="0" rIns="0" bIns="0" rtlCol="0" anchor="ctr">
               <a:spAutoFit/>
             </a:bodyPr>
             <a:lstStyle/>
             <a:p>
               <a:pPr algn="ctr"/>
               <a:r>
-                <a:rPr lang="en-US" sz="2000" i="1" dirty="0">
+                <a:rPr lang="en-US" sz="2400" i="1" dirty="0">
                   <a:latin typeface="Times New Roman" panose="02020603050405020304" pitchFamily="18" charset="0"/>
                   <a:ea typeface="Palatino" pitchFamily="2" charset="77"/>
                   <a:cs typeface="Times New Roman" panose="02020603050405020304" pitchFamily="18" charset="0"/>
@@ -11692,8 +11692,8 @@
           </p:nvSpPr>
           <p:spPr>
             <a:xfrm rot="16200000">
-              <a:off x="-1249256" y="3025647"/>
-              <a:ext cx="1379860" cy="307777"/>
+              <a:off x="-1212368" y="3080835"/>
+              <a:ext cx="1379860" cy="197401"/>
             </a:xfrm>
             <a:prstGeom prst="rect">
               <a:avLst/>
@@ -11708,7 +11708,7 @@
             <a:p>
               <a:pPr algn="ctr"/>
               <a:r>
-                <a:rPr lang="en-US" sz="2000" i="1" dirty="0">
+                <a:rPr lang="en-US" sz="2400" i="1" dirty="0">
                   <a:latin typeface="Times New Roman" panose="02020603050405020304" pitchFamily="18" charset="0"/>
                   <a:ea typeface="Palatino" pitchFamily="2" charset="77"/>
                   <a:cs typeface="Times New Roman" panose="02020603050405020304" pitchFamily="18" charset="0"/>
@@ -11732,8 +11732,8 @@
           </p:nvSpPr>
           <p:spPr>
             <a:xfrm>
-              <a:off x="2304312" y="3795468"/>
-              <a:ext cx="1678344" cy="738664"/>
+              <a:off x="2427383" y="3934499"/>
+              <a:ext cx="1358781" cy="460603"/>
             </a:xfrm>
             <a:prstGeom prst="rect">
               <a:avLst/>
@@ -11741,76 +11741,76 @@
             <a:noFill/>
           </p:spPr>
           <p:txBody>
-            <a:bodyPr wrap="none" lIns="0" tIns="0" rIns="0" bIns="0" rtlCol="0" anchor="ctr">
+            <a:bodyPr wrap="square" lIns="0" tIns="0" rIns="0" bIns="0" rtlCol="0" anchor="ctr">
               <a:spAutoFit/>
             </a:bodyPr>
             <a:lstStyle/>
             <a:p>
               <a:pPr algn="ctr"/>
               <a:r>
-                <a:rPr lang="en-US" sz="2400" i="1" dirty="0">
+                <a:rPr lang="en-US" sz="2800" i="1" dirty="0">
                   <a:latin typeface="Times New Roman" panose="02020603050405020304" pitchFamily="18" charset="0"/>
                   <a:cs typeface="Times New Roman" panose="02020603050405020304" pitchFamily="18" charset="0"/>
                 </a:rPr>
                 <a:t>f(t) ∝  e</a:t>
               </a:r>
               <a:r>
-                <a:rPr lang="en-US" sz="2400" i="1" baseline="30000" dirty="0">
+                <a:rPr lang="en-US" sz="2800" i="1" baseline="30000" dirty="0">
                   <a:latin typeface="Times New Roman" panose="02020603050405020304" pitchFamily="18" charset="0"/>
                   <a:cs typeface="Times New Roman" panose="02020603050405020304" pitchFamily="18" charset="0"/>
                 </a:rPr>
                 <a:t>-</a:t>
               </a:r>
               <a:r>
-                <a:rPr lang="en-US" sz="2400" i="1" baseline="30000" dirty="0" err="1">
+                <a:rPr lang="en-US" sz="2800" i="1" baseline="30000" dirty="0" err="1">
                   <a:latin typeface="Symbol" pitchFamily="2" charset="2"/>
                   <a:cs typeface="Times New Roman" panose="02020603050405020304" pitchFamily="18" charset="0"/>
                 </a:rPr>
                 <a:t>s</a:t>
               </a:r>
               <a:r>
-                <a:rPr lang="en-US" sz="2400" i="1" baseline="30000" dirty="0" err="1">
+                <a:rPr lang="en-US" sz="2800" i="1" baseline="30000" dirty="0" err="1">
                   <a:latin typeface="Times New Roman" panose="02020603050405020304" pitchFamily="18" charset="0"/>
                   <a:cs typeface="Times New Roman" panose="02020603050405020304" pitchFamily="18" charset="0"/>
                 </a:rPr>
                 <a:t>t</a:t>
               </a:r>
               <a:r>
-                <a:rPr lang="en-US" sz="2400" i="1" dirty="0">
+                <a:rPr lang="en-US" sz="2800" i="1" dirty="0">
                   <a:latin typeface="Times New Roman" panose="02020603050405020304" pitchFamily="18" charset="0"/>
                   <a:cs typeface="Times New Roman" panose="02020603050405020304" pitchFamily="18" charset="0"/>
                 </a:rPr>
                 <a:t> </a:t>
               </a:r>
               <a:r>
-                <a:rPr lang="en-US" sz="2400" i="1" dirty="0" err="1">
+                <a:rPr lang="en-US" sz="2800" i="1" dirty="0" err="1">
                   <a:latin typeface="Times New Roman" panose="02020603050405020304" pitchFamily="18" charset="0"/>
                   <a:cs typeface="Times New Roman" panose="02020603050405020304" pitchFamily="18" charset="0"/>
                 </a:rPr>
                 <a:t>e</a:t>
               </a:r>
               <a:r>
-                <a:rPr lang="en-US" sz="2400" i="1" baseline="30000" dirty="0" err="1">
+                <a:rPr lang="en-US" sz="2800" i="1" baseline="30000" dirty="0" err="1">
                   <a:latin typeface="Times New Roman" panose="02020603050405020304" pitchFamily="18" charset="0"/>
                   <a:cs typeface="Times New Roman" panose="02020603050405020304" pitchFamily="18" charset="0"/>
                 </a:rPr>
                 <a:t>i</a:t>
               </a:r>
               <a:r>
-                <a:rPr lang="en-US" sz="2400" i="1" baseline="30000" dirty="0" err="1">
+                <a:rPr lang="en-US" sz="2800" i="1" baseline="30000" dirty="0" err="1">
                   <a:latin typeface="Symbol" pitchFamily="2" charset="2"/>
                   <a:cs typeface="Times New Roman" panose="02020603050405020304" pitchFamily="18" charset="0"/>
                 </a:rPr>
                 <a:t>w</a:t>
               </a:r>
               <a:r>
-                <a:rPr lang="en-US" sz="2400" i="1" baseline="30000" dirty="0" err="1">
+                <a:rPr lang="en-US" sz="2800" i="1" baseline="30000" dirty="0" err="1">
                   <a:latin typeface="Times New Roman" panose="02020603050405020304" pitchFamily="18" charset="0"/>
                   <a:cs typeface="Times New Roman" panose="02020603050405020304" pitchFamily="18" charset="0"/>
                 </a:rPr>
                 <a:t>t</a:t>
               </a:r>
-              <a:endParaRPr lang="en-US" sz="2400" i="1" baseline="30000" dirty="0">
+              <a:endParaRPr lang="en-US" sz="2800" i="1" baseline="30000" dirty="0">
                 <a:latin typeface="Times New Roman" panose="02020603050405020304" pitchFamily="18" charset="0"/>
                 <a:cs typeface="Times New Roman" panose="02020603050405020304" pitchFamily="18" charset="0"/>
               </a:endParaRPr>
@@ -11818,13 +11818,13 @@
             <a:p>
               <a:pPr algn="ctr"/>
               <a:r>
-                <a:rPr lang="en-US" sz="2400" i="1" baseline="30000" dirty="0">
+                <a:rPr lang="en-US" sz="2800" i="1" baseline="30000" dirty="0">
                   <a:latin typeface="Times New Roman" panose="02020603050405020304" pitchFamily="18" charset="0"/>
                   <a:cs typeface="Times New Roman" panose="02020603050405020304" pitchFamily="18" charset="0"/>
                 </a:rPr>
                 <a:t>(period, damping)</a:t>
               </a:r>
-              <a:endParaRPr lang="en-US" sz="2400" i="1" dirty="0">
+              <a:endParaRPr lang="en-US" sz="2800" i="1" dirty="0">
                 <a:latin typeface="Times New Roman" panose="02020603050405020304" pitchFamily="18" charset="0"/>
                 <a:cs typeface="Times New Roman" panose="02020603050405020304" pitchFamily="18" charset="0"/>
               </a:endParaRPr>
@@ -11862,1297 +11862,1692 @@
           <a:chExt cx="0" cy="0"/>
         </a:xfrm>
       </p:grpSpPr>
-      <p:grpSp>
-        <p:nvGrpSpPr>
-          <p:cNvPr id="12" name="Grupo 11">
+      <p:sp>
+        <p:nvSpPr>
+          <p:cNvPr id="55" name="Rectángulo 54">
             <a:extLst>
               <a:ext uri="{FF2B5EF4-FFF2-40B4-BE49-F238E27FC236}">
-                <a16:creationId xmlns:a16="http://schemas.microsoft.com/office/drawing/2014/main" id="{AC723999-A999-C546-BE69-A71543B00787}"/>
+                <a16:creationId xmlns:a16="http://schemas.microsoft.com/office/drawing/2014/main" id="{1AF952B2-35F9-C244-ADD6-5550F8ADD509}"/>
               </a:ext>
             </a:extLst>
           </p:cNvPr>
-          <p:cNvGrpSpPr>
-            <a:grpSpLocks noChangeAspect="1"/>
-          </p:cNvGrpSpPr>
+          <p:cNvSpPr/>
           <p:nvPr/>
-        </p:nvGrpSpPr>
-        <p:grpSpPr>
+        </p:nvSpPr>
+        <p:spPr bwMode="ltGray">
           <a:xfrm>
-            <a:off x="41954" y="549000"/>
-            <a:ext cx="9065386" cy="5760000"/>
-            <a:chOff x="6342742" y="1953002"/>
-            <a:chExt cx="4793134" cy="3045480"/>
+            <a:off x="912897" y="756024"/>
+            <a:ext cx="7744321" cy="4951724"/>
           </a:xfrm>
-        </p:grpSpPr>
-        <p:sp>
-          <p:nvSpPr>
-            <p:cNvPr id="55" name="Rectángulo 54">
-              <a:extLst>
-                <a:ext uri="{FF2B5EF4-FFF2-40B4-BE49-F238E27FC236}">
-                  <a16:creationId xmlns:a16="http://schemas.microsoft.com/office/drawing/2014/main" id="{1AF952B2-35F9-C244-ADD6-5550F8ADD509}"/>
-                </a:ext>
-              </a:extLst>
-            </p:cNvPr>
-            <p:cNvSpPr/>
-            <p:nvPr/>
-          </p:nvSpPr>
-          <p:spPr bwMode="ltGray">
-            <a:xfrm>
-              <a:off x="6762180" y="1953002"/>
-              <a:ext cx="4373696" cy="2618121"/>
-            </a:xfrm>
-            <a:prstGeom prst="rect">
+          <a:prstGeom prst="rect">
+            <a:avLst/>
+          </a:prstGeom>
+          <a:noFill/>
+          <a:ln w="19050">
+            <a:solidFill>
+              <a:schemeClr val="tx1"/>
+            </a:solidFill>
+          </a:ln>
+        </p:spPr>
+        <p:style>
+          <a:lnRef idx="2">
+            <a:schemeClr val="accent1">
+              <a:shade val="50000"/>
+            </a:schemeClr>
+          </a:lnRef>
+          <a:fillRef idx="1">
+            <a:schemeClr val="accent1"/>
+          </a:fillRef>
+          <a:effectRef idx="0">
+            <a:schemeClr val="accent1"/>
+          </a:effectRef>
+          <a:fontRef idx="minor">
+            <a:schemeClr val="lt1"/>
+          </a:fontRef>
+        </p:style>
+        <p:txBody>
+          <a:bodyPr rot="0" spcFirstLastPara="0" vertOverflow="overflow" horzOverflow="overflow" vert="horz" wrap="square" lIns="91440" tIns="45720" rIns="91440" bIns="45720" numCol="1" spcCol="0" rtlCol="0" fromWordArt="0" anchor="t" anchorCtr="0" forceAA="0" compatLnSpc="1">
+            <a:prstTxWarp prst="textNoShape">
               <a:avLst/>
-            </a:prstGeom>
+            </a:prstTxWarp>
+            <a:noAutofit/>
+          </a:bodyPr>
+          <a:lstStyle/>
+          <a:p>
+            <a:pPr algn="l"/>
+            <a:endParaRPr lang="en-US" sz="1600" dirty="0" err="1"/>
+          </a:p>
+        </p:txBody>
+      </p:sp>
+      <p:sp>
+        <p:nvSpPr>
+          <p:cNvPr id="56" name="CuadroTexto 55">
+            <a:extLst>
+              <a:ext uri="{FF2B5EF4-FFF2-40B4-BE49-F238E27FC236}">
+                <a16:creationId xmlns:a16="http://schemas.microsoft.com/office/drawing/2014/main" id="{F32EE242-B4F1-924B-A2E3-2A9C9C1AA2B7}"/>
+              </a:ext>
+            </a:extLst>
+          </p:cNvPr>
+          <p:cNvSpPr txBox="1"/>
+          <p:nvPr/>
+        </p:nvSpPr>
+        <p:spPr>
+          <a:xfrm rot="16200000">
+            <a:off x="-1636862" y="3047222"/>
+            <a:ext cx="4221157" cy="369333"/>
+          </a:xfrm>
+          <a:prstGeom prst="rect">
+            <a:avLst/>
+          </a:prstGeom>
+          <a:noFill/>
+        </p:spPr>
+        <p:txBody>
+          <a:bodyPr wrap="square" lIns="0" tIns="0" rIns="0" bIns="0" rtlCol="0" anchor="ctr">
+            <a:spAutoFit/>
+          </a:bodyPr>
+          <a:lstStyle/>
+          <a:p>
+            <a:pPr algn="ctr"/>
+            <a:r>
+              <a:rPr lang="en-US" sz="2400" i="1" dirty="0">
+                <a:latin typeface="Times New Roman" panose="02020603050405020304" pitchFamily="18" charset="0"/>
+                <a:ea typeface="Palatino" pitchFamily="2" charset="77"/>
+                <a:cs typeface="Times New Roman" panose="02020603050405020304" pitchFamily="18" charset="0"/>
+              </a:rPr>
+              <a:t>tap position (or shunt status)</a:t>
+            </a:r>
+          </a:p>
+        </p:txBody>
+      </p:sp>
+      <p:sp>
+        <p:nvSpPr>
+          <p:cNvPr id="57" name="CuadroTexto 56">
+            <a:extLst>
+              <a:ext uri="{FF2B5EF4-FFF2-40B4-BE49-F238E27FC236}">
+                <a16:creationId xmlns:a16="http://schemas.microsoft.com/office/drawing/2014/main" id="{346F9838-5EB9-7D46-9E29-C08A7C5732E3}"/>
+              </a:ext>
+            </a:extLst>
+          </p:cNvPr>
+          <p:cNvSpPr txBox="1"/>
+          <p:nvPr/>
+        </p:nvSpPr>
+        <p:spPr>
+          <a:xfrm>
+            <a:off x="3774159" y="5902288"/>
+            <a:ext cx="2009636" cy="369333"/>
+          </a:xfrm>
+          <a:prstGeom prst="rect">
+            <a:avLst/>
+          </a:prstGeom>
+          <a:noFill/>
+        </p:spPr>
+        <p:txBody>
+          <a:bodyPr wrap="square" lIns="0" tIns="0" rIns="0" bIns="0" rtlCol="0" anchor="ctr">
+            <a:spAutoFit/>
+          </a:bodyPr>
+          <a:lstStyle/>
+          <a:p>
+            <a:pPr algn="ctr"/>
+            <a:r>
+              <a:rPr lang="en-US" sz="2400" i="1" dirty="0">
+                <a:latin typeface="Times New Roman" panose="02020603050405020304" pitchFamily="18" charset="0"/>
+                <a:ea typeface="Palatino" pitchFamily="2" charset="77"/>
+                <a:cs typeface="Times New Roman" panose="02020603050405020304" pitchFamily="18" charset="0"/>
+              </a:rPr>
+              <a:t>sequence</a:t>
+            </a:r>
+          </a:p>
+        </p:txBody>
+      </p:sp>
+      <p:cxnSp>
+        <p:nvCxnSpPr>
+          <p:cNvPr id="58" name="Conector recto 57">
+            <a:extLst>
+              <a:ext uri="{FF2B5EF4-FFF2-40B4-BE49-F238E27FC236}">
+                <a16:creationId xmlns:a16="http://schemas.microsoft.com/office/drawing/2014/main" id="{84CA983F-0F57-6946-8B57-59DC3F29B2A9}"/>
+              </a:ext>
+            </a:extLst>
+          </p:cNvPr>
+          <p:cNvCxnSpPr>
+            <a:cxnSpLocks/>
+          </p:cNvCxnSpPr>
+          <p:nvPr/>
+        </p:nvCxnSpPr>
+        <p:spPr>
+          <a:xfrm>
+            <a:off x="912897" y="3629822"/>
+            <a:ext cx="7744321" cy="0"/>
+          </a:xfrm>
+          <a:prstGeom prst="line">
+            <a:avLst/>
+          </a:prstGeom>
+          <a:ln w="12700">
+            <a:solidFill>
+              <a:schemeClr val="tx1"/>
+            </a:solidFill>
+            <a:tailEnd type="none"/>
+          </a:ln>
+        </p:spPr>
+        <p:style>
+          <a:lnRef idx="1">
+            <a:schemeClr val="accent1"/>
+          </a:lnRef>
+          <a:fillRef idx="0">
+            <a:schemeClr val="accent1"/>
+          </a:fillRef>
+          <a:effectRef idx="0">
+            <a:schemeClr val="accent1"/>
+          </a:effectRef>
+          <a:fontRef idx="minor">
+            <a:schemeClr val="tx1"/>
+          </a:fontRef>
+        </p:style>
+      </p:cxnSp>
+      <p:sp>
+        <p:nvSpPr>
+          <p:cNvPr id="59" name="Rectángulo 58">
+            <a:extLst>
+              <a:ext uri="{FF2B5EF4-FFF2-40B4-BE49-F238E27FC236}">
+                <a16:creationId xmlns:a16="http://schemas.microsoft.com/office/drawing/2014/main" id="{C8AF294E-FC48-B14B-9423-D0042AE6C5F7}"/>
+              </a:ext>
+            </a:extLst>
+          </p:cNvPr>
+          <p:cNvSpPr/>
+          <p:nvPr/>
+        </p:nvSpPr>
+        <p:spPr bwMode="ltGray">
+          <a:xfrm>
+            <a:off x="1708325" y="3229762"/>
+            <a:ext cx="340439" cy="408527"/>
+          </a:xfrm>
+          <a:prstGeom prst="rect">
+            <a:avLst/>
+          </a:prstGeom>
+          <a:solidFill>
+            <a:srgbClr val="C00000"/>
+          </a:solidFill>
+          <a:ln w="12700">
             <a:noFill/>
-            <a:ln w="19050">
-              <a:solidFill>
-                <a:schemeClr val="tx1"/>
-              </a:solidFill>
-            </a:ln>
-          </p:spPr>
-          <p:style>
-            <a:lnRef idx="2">
-              <a:schemeClr val="accent1">
-                <a:shade val="50000"/>
-              </a:schemeClr>
-            </a:lnRef>
-            <a:fillRef idx="1">
-              <a:schemeClr val="accent1"/>
-            </a:fillRef>
-            <a:effectRef idx="0">
-              <a:schemeClr val="accent1"/>
-            </a:effectRef>
-            <a:fontRef idx="minor">
-              <a:schemeClr val="lt1"/>
-            </a:fontRef>
-          </p:style>
-          <p:txBody>
-            <a:bodyPr rot="0" spcFirstLastPara="0" vertOverflow="overflow" horzOverflow="overflow" vert="horz" wrap="square" lIns="91440" tIns="45720" rIns="91440" bIns="45720" numCol="1" spcCol="0" rtlCol="0" fromWordArt="0" anchor="t" anchorCtr="0" forceAA="0" compatLnSpc="1">
-              <a:prstTxWarp prst="textNoShape">
-                <a:avLst/>
-              </a:prstTxWarp>
-              <a:noAutofit/>
-            </a:bodyPr>
-            <a:lstStyle/>
-            <a:p>
-              <a:pPr algn="l"/>
-              <a:endParaRPr lang="en-US" sz="1600" dirty="0" err="1"/>
-            </a:p>
-          </p:txBody>
-        </p:sp>
-        <p:sp>
-          <p:nvSpPr>
-            <p:cNvPr id="56" name="CuadroTexto 55">
-              <a:extLst>
-                <a:ext uri="{FF2B5EF4-FFF2-40B4-BE49-F238E27FC236}">
-                  <a16:creationId xmlns:a16="http://schemas.microsoft.com/office/drawing/2014/main" id="{F32EE242-B4F1-924B-A2E3-2A9C9C1AA2B7}"/>
-                </a:ext>
-              </a:extLst>
-            </p:cNvPr>
-            <p:cNvSpPr txBox="1"/>
-            <p:nvPr/>
-          </p:nvSpPr>
-          <p:spPr>
-            <a:xfrm rot="16200000">
-              <a:off x="5380706" y="3108175"/>
-              <a:ext cx="2231849" cy="307777"/>
-            </a:xfrm>
-            <a:prstGeom prst="rect">
+          </a:ln>
+        </p:spPr>
+        <p:style>
+          <a:lnRef idx="2">
+            <a:schemeClr val="accent1">
+              <a:shade val="50000"/>
+            </a:schemeClr>
+          </a:lnRef>
+          <a:fillRef idx="1">
+            <a:schemeClr val="accent1"/>
+          </a:fillRef>
+          <a:effectRef idx="0">
+            <a:schemeClr val="accent1"/>
+          </a:effectRef>
+          <a:fontRef idx="minor">
+            <a:schemeClr val="lt1"/>
+          </a:fontRef>
+        </p:style>
+        <p:txBody>
+          <a:bodyPr rot="0" spcFirstLastPara="0" vertOverflow="overflow" horzOverflow="overflow" vert="horz" wrap="square" lIns="91440" tIns="45720" rIns="91440" bIns="45720" numCol="1" spcCol="0" rtlCol="0" fromWordArt="0" anchor="t" anchorCtr="0" forceAA="0" compatLnSpc="1">
+            <a:prstTxWarp prst="textNoShape">
               <a:avLst/>
-            </a:prstGeom>
+            </a:prstTxWarp>
+            <a:noAutofit/>
+          </a:bodyPr>
+          <a:lstStyle/>
+          <a:p>
+            <a:pPr algn="l"/>
+            <a:endParaRPr lang="en-US" sz="1600" dirty="0" err="1"/>
+          </a:p>
+        </p:txBody>
+      </p:sp>
+      <p:sp>
+        <p:nvSpPr>
+          <p:cNvPr id="61" name="Rectángulo 60">
+            <a:extLst>
+              <a:ext uri="{FF2B5EF4-FFF2-40B4-BE49-F238E27FC236}">
+                <a16:creationId xmlns:a16="http://schemas.microsoft.com/office/drawing/2014/main" id="{E471C8B1-0A3F-DB49-87AD-EBBE05072C57}"/>
+              </a:ext>
+            </a:extLst>
+          </p:cNvPr>
+          <p:cNvSpPr/>
+          <p:nvPr/>
+        </p:nvSpPr>
+        <p:spPr bwMode="ltGray">
+          <a:xfrm>
+            <a:off x="3676399" y="2004085"/>
+            <a:ext cx="340439" cy="1634107"/>
+          </a:xfrm>
+          <a:prstGeom prst="rect">
+            <a:avLst/>
+          </a:prstGeom>
+          <a:solidFill>
+            <a:srgbClr val="C00000"/>
+          </a:solidFill>
+          <a:ln w="12700">
             <a:noFill/>
-          </p:spPr>
-          <p:txBody>
-            <a:bodyPr wrap="square" lIns="0" tIns="0" rIns="0" bIns="0" rtlCol="0">
-              <a:spAutoFit/>
-            </a:bodyPr>
-            <a:lstStyle/>
-            <a:p>
-              <a:pPr algn="ctr"/>
-              <a:r>
-                <a:rPr lang="en-US" sz="2000" i="1" dirty="0">
-                  <a:latin typeface="Times New Roman" panose="02020603050405020304" pitchFamily="18" charset="0"/>
-                  <a:ea typeface="Palatino" pitchFamily="2" charset="77"/>
-                  <a:cs typeface="Times New Roman" panose="02020603050405020304" pitchFamily="18" charset="0"/>
-                </a:rPr>
-                <a:t>taps or shunts on-off</a:t>
-              </a:r>
-            </a:p>
-          </p:txBody>
-        </p:sp>
-        <p:sp>
-          <p:nvSpPr>
-            <p:cNvPr id="57" name="CuadroTexto 56">
-              <a:extLst>
-                <a:ext uri="{FF2B5EF4-FFF2-40B4-BE49-F238E27FC236}">
-                  <a16:creationId xmlns:a16="http://schemas.microsoft.com/office/drawing/2014/main" id="{346F9838-5EB9-7D46-9E29-C08A7C5732E3}"/>
-                </a:ext>
-              </a:extLst>
-            </p:cNvPr>
-            <p:cNvSpPr txBox="1"/>
-            <p:nvPr/>
-          </p:nvSpPr>
-          <p:spPr>
-            <a:xfrm>
-              <a:off x="8417752" y="4690705"/>
-              <a:ext cx="1062553" cy="307777"/>
-            </a:xfrm>
-            <a:prstGeom prst="rect">
+          </a:ln>
+        </p:spPr>
+        <p:style>
+          <a:lnRef idx="2">
+            <a:schemeClr val="accent1">
+              <a:shade val="50000"/>
+            </a:schemeClr>
+          </a:lnRef>
+          <a:fillRef idx="1">
+            <a:schemeClr val="accent1"/>
+          </a:fillRef>
+          <a:effectRef idx="0">
+            <a:schemeClr val="accent1"/>
+          </a:effectRef>
+          <a:fontRef idx="minor">
+            <a:schemeClr val="lt1"/>
+          </a:fontRef>
+        </p:style>
+        <p:txBody>
+          <a:bodyPr rot="0" spcFirstLastPara="0" vertOverflow="overflow" horzOverflow="overflow" vert="horz" wrap="square" lIns="91440" tIns="45720" rIns="91440" bIns="45720" numCol="1" spcCol="0" rtlCol="0" fromWordArt="0" anchor="t" anchorCtr="0" forceAA="0" compatLnSpc="1">
+            <a:prstTxWarp prst="textNoShape">
               <a:avLst/>
-            </a:prstGeom>
+            </a:prstTxWarp>
+            <a:noAutofit/>
+          </a:bodyPr>
+          <a:lstStyle/>
+          <a:p>
+            <a:pPr algn="l"/>
+            <a:endParaRPr lang="en-US" sz="1600" dirty="0" err="1"/>
+          </a:p>
+        </p:txBody>
+      </p:sp>
+      <p:sp>
+        <p:nvSpPr>
+          <p:cNvPr id="62" name="Rectángulo 61">
+            <a:extLst>
+              <a:ext uri="{FF2B5EF4-FFF2-40B4-BE49-F238E27FC236}">
+                <a16:creationId xmlns:a16="http://schemas.microsoft.com/office/drawing/2014/main" id="{EB50F42D-E808-9E43-B04A-962CA7097658}"/>
+              </a:ext>
+            </a:extLst>
+          </p:cNvPr>
+          <p:cNvSpPr/>
+          <p:nvPr/>
+        </p:nvSpPr>
+        <p:spPr bwMode="ltGray">
+          <a:xfrm>
+            <a:off x="3014189" y="2416809"/>
+            <a:ext cx="340439" cy="1225580"/>
+          </a:xfrm>
+          <a:prstGeom prst="rect">
+            <a:avLst/>
+          </a:prstGeom>
+          <a:solidFill>
+            <a:srgbClr val="C00000"/>
+          </a:solidFill>
+          <a:ln w="12700">
             <a:noFill/>
-          </p:spPr>
-          <p:txBody>
-            <a:bodyPr wrap="square" lIns="0" tIns="0" rIns="0" bIns="0" rtlCol="0" anchor="ctr">
-              <a:spAutoFit/>
-            </a:bodyPr>
-            <a:lstStyle/>
-            <a:p>
-              <a:pPr algn="ctr"/>
-              <a:r>
-                <a:rPr lang="en-US" sz="2000" i="1" dirty="0">
-                  <a:latin typeface="Times New Roman" panose="02020603050405020304" pitchFamily="18" charset="0"/>
-                  <a:ea typeface="Palatino" pitchFamily="2" charset="77"/>
-                  <a:cs typeface="Times New Roman" panose="02020603050405020304" pitchFamily="18" charset="0"/>
-                </a:rPr>
-                <a:t>sequence</a:t>
-              </a:r>
-            </a:p>
-          </p:txBody>
-        </p:sp>
-        <p:cxnSp>
-          <p:nvCxnSpPr>
-            <p:cNvPr id="58" name="Conector recto 57">
-              <a:extLst>
-                <a:ext uri="{FF2B5EF4-FFF2-40B4-BE49-F238E27FC236}">
-                  <a16:creationId xmlns:a16="http://schemas.microsoft.com/office/drawing/2014/main" id="{84CA983F-0F57-6946-8B57-59DC3F29B2A9}"/>
-                </a:ext>
-              </a:extLst>
-            </p:cNvPr>
-            <p:cNvCxnSpPr>
-              <a:cxnSpLocks/>
-            </p:cNvCxnSpPr>
-            <p:nvPr/>
-          </p:nvCxnSpPr>
-          <p:spPr>
-            <a:xfrm>
-              <a:off x="6762180" y="3472463"/>
-              <a:ext cx="4373696" cy="0"/>
-            </a:xfrm>
-            <a:prstGeom prst="line">
+          </a:ln>
+        </p:spPr>
+        <p:style>
+          <a:lnRef idx="2">
+            <a:schemeClr val="accent1">
+              <a:shade val="50000"/>
+            </a:schemeClr>
+          </a:lnRef>
+          <a:fillRef idx="1">
+            <a:schemeClr val="accent1"/>
+          </a:fillRef>
+          <a:effectRef idx="0">
+            <a:schemeClr val="accent1"/>
+          </a:effectRef>
+          <a:fontRef idx="minor">
+            <a:schemeClr val="lt1"/>
+          </a:fontRef>
+        </p:style>
+        <p:txBody>
+          <a:bodyPr rot="0" spcFirstLastPara="0" vertOverflow="overflow" horzOverflow="overflow" vert="horz" wrap="square" lIns="91440" tIns="45720" rIns="91440" bIns="45720" numCol="1" spcCol="0" rtlCol="0" fromWordArt="0" anchor="t" anchorCtr="0" forceAA="0" compatLnSpc="1">
+            <a:prstTxWarp prst="textNoShape">
               <a:avLst/>
-            </a:prstGeom>
-            <a:ln w="12700">
-              <a:solidFill>
-                <a:schemeClr val="tx1"/>
-              </a:solidFill>
-              <a:tailEnd type="none"/>
-            </a:ln>
-          </p:spPr>
-          <p:style>
-            <a:lnRef idx="1">
-              <a:schemeClr val="accent1"/>
-            </a:lnRef>
-            <a:fillRef idx="0">
-              <a:schemeClr val="accent1"/>
-            </a:fillRef>
-            <a:effectRef idx="0">
-              <a:schemeClr val="accent1"/>
-            </a:effectRef>
-            <a:fontRef idx="minor">
-              <a:schemeClr val="tx1"/>
-            </a:fontRef>
-          </p:style>
-        </p:cxnSp>
-        <p:sp>
-          <p:nvSpPr>
-            <p:cNvPr id="59" name="Rectángulo 58">
-              <a:extLst>
-                <a:ext uri="{FF2B5EF4-FFF2-40B4-BE49-F238E27FC236}">
-                  <a16:creationId xmlns:a16="http://schemas.microsoft.com/office/drawing/2014/main" id="{C8AF294E-FC48-B14B-9423-D0042AE6C5F7}"/>
-                </a:ext>
-              </a:extLst>
-            </p:cNvPr>
-            <p:cNvSpPr/>
-            <p:nvPr/>
-          </p:nvSpPr>
-          <p:spPr bwMode="ltGray">
-            <a:xfrm>
-              <a:off x="6983493" y="3265500"/>
-              <a:ext cx="180000" cy="216000"/>
-            </a:xfrm>
-            <a:prstGeom prst="rect">
+            </a:prstTxWarp>
+            <a:noAutofit/>
+          </a:bodyPr>
+          <a:lstStyle/>
+          <a:p>
+            <a:pPr algn="l"/>
+            <a:endParaRPr lang="en-US" sz="1600" dirty="0" err="1"/>
+          </a:p>
+        </p:txBody>
+      </p:sp>
+      <p:sp>
+        <p:nvSpPr>
+          <p:cNvPr id="63" name="Rectángulo 62">
+            <a:extLst>
+              <a:ext uri="{FF2B5EF4-FFF2-40B4-BE49-F238E27FC236}">
+                <a16:creationId xmlns:a16="http://schemas.microsoft.com/office/drawing/2014/main" id="{6A4D2F32-5947-A243-BDEB-2E06DF356870}"/>
+              </a:ext>
+            </a:extLst>
+          </p:cNvPr>
+          <p:cNvSpPr/>
+          <p:nvPr/>
+        </p:nvSpPr>
+        <p:spPr bwMode="ltGray">
+          <a:xfrm>
+            <a:off x="2351978" y="2825335"/>
+            <a:ext cx="340439" cy="817053"/>
+          </a:xfrm>
+          <a:prstGeom prst="rect">
+            <a:avLst/>
+          </a:prstGeom>
+          <a:solidFill>
+            <a:srgbClr val="C00000"/>
+          </a:solidFill>
+          <a:ln w="12700">
+            <a:noFill/>
+          </a:ln>
+        </p:spPr>
+        <p:style>
+          <a:lnRef idx="2">
+            <a:schemeClr val="accent1">
+              <a:shade val="50000"/>
+            </a:schemeClr>
+          </a:lnRef>
+          <a:fillRef idx="1">
+            <a:schemeClr val="accent1"/>
+          </a:fillRef>
+          <a:effectRef idx="0">
+            <a:schemeClr val="accent1"/>
+          </a:effectRef>
+          <a:fontRef idx="minor">
+            <a:schemeClr val="lt1"/>
+          </a:fontRef>
+        </p:style>
+        <p:txBody>
+          <a:bodyPr rot="0" spcFirstLastPara="0" vertOverflow="overflow" horzOverflow="overflow" vert="horz" wrap="square" lIns="91440" tIns="45720" rIns="91440" bIns="45720" numCol="1" spcCol="0" rtlCol="0" fromWordArt="0" anchor="t" anchorCtr="0" forceAA="0" compatLnSpc="1">
+            <a:prstTxWarp prst="textNoShape">
               <a:avLst/>
-            </a:prstGeom>
-            <a:solidFill>
-              <a:srgbClr val="C00000"/>
-            </a:solidFill>
-            <a:ln w="12700">
-              <a:noFill/>
-            </a:ln>
-          </p:spPr>
-          <p:style>
-            <a:lnRef idx="2">
-              <a:schemeClr val="accent1">
-                <a:shade val="50000"/>
-              </a:schemeClr>
-            </a:lnRef>
-            <a:fillRef idx="1">
-              <a:schemeClr val="accent1"/>
-            </a:fillRef>
-            <a:effectRef idx="0">
-              <a:schemeClr val="accent1"/>
-            </a:effectRef>
-            <a:fontRef idx="minor">
-              <a:schemeClr val="lt1"/>
-            </a:fontRef>
-          </p:style>
-          <p:txBody>
-            <a:bodyPr rot="0" spcFirstLastPara="0" vertOverflow="overflow" horzOverflow="overflow" vert="horz" wrap="square" lIns="91440" tIns="45720" rIns="91440" bIns="45720" numCol="1" spcCol="0" rtlCol="0" fromWordArt="0" anchor="t" anchorCtr="0" forceAA="0" compatLnSpc="1">
-              <a:prstTxWarp prst="textNoShape">
-                <a:avLst/>
-              </a:prstTxWarp>
-              <a:noAutofit/>
-            </a:bodyPr>
-            <a:lstStyle/>
-            <a:p>
-              <a:pPr algn="l"/>
-              <a:endParaRPr lang="en-US" sz="1600" dirty="0" err="1"/>
-            </a:p>
-          </p:txBody>
-        </p:sp>
-        <p:sp>
-          <p:nvSpPr>
-            <p:cNvPr id="61" name="Rectángulo 60">
-              <a:extLst>
-                <a:ext uri="{FF2B5EF4-FFF2-40B4-BE49-F238E27FC236}">
-                  <a16:creationId xmlns:a16="http://schemas.microsoft.com/office/drawing/2014/main" id="{E471C8B1-0A3F-DB49-87AD-EBBE05072C57}"/>
-                </a:ext>
-              </a:extLst>
-            </p:cNvPr>
-            <p:cNvSpPr/>
-            <p:nvPr/>
-          </p:nvSpPr>
-          <p:spPr bwMode="ltGray">
-            <a:xfrm>
-              <a:off x="8024071" y="2622010"/>
-              <a:ext cx="180000" cy="864000"/>
-            </a:xfrm>
-            <a:prstGeom prst="rect">
+            </a:prstTxWarp>
+            <a:noAutofit/>
+          </a:bodyPr>
+          <a:lstStyle/>
+          <a:p>
+            <a:pPr algn="l"/>
+            <a:endParaRPr lang="en-US" sz="1600" dirty="0" err="1"/>
+          </a:p>
+        </p:txBody>
+      </p:sp>
+      <p:sp>
+        <p:nvSpPr>
+          <p:cNvPr id="65" name="Rectángulo 64">
+            <a:extLst>
+              <a:ext uri="{FF2B5EF4-FFF2-40B4-BE49-F238E27FC236}">
+                <a16:creationId xmlns:a16="http://schemas.microsoft.com/office/drawing/2014/main" id="{A831038F-8D71-FB4D-AD2A-B995D40457AD}"/>
+              </a:ext>
+            </a:extLst>
+          </p:cNvPr>
+          <p:cNvSpPr/>
+          <p:nvPr/>
+        </p:nvSpPr>
+        <p:spPr bwMode="ltGray">
+          <a:xfrm>
+            <a:off x="4338610" y="2412708"/>
+            <a:ext cx="340439" cy="1225580"/>
+          </a:xfrm>
+          <a:prstGeom prst="rect">
+            <a:avLst/>
+          </a:prstGeom>
+          <a:solidFill>
+            <a:srgbClr val="0070C0"/>
+          </a:solidFill>
+          <a:ln w="12700">
+            <a:noFill/>
+          </a:ln>
+        </p:spPr>
+        <p:style>
+          <a:lnRef idx="2">
+            <a:schemeClr val="accent1">
+              <a:shade val="50000"/>
+            </a:schemeClr>
+          </a:lnRef>
+          <a:fillRef idx="1">
+            <a:schemeClr val="accent1"/>
+          </a:fillRef>
+          <a:effectRef idx="0">
+            <a:schemeClr val="accent1"/>
+          </a:effectRef>
+          <a:fontRef idx="minor">
+            <a:schemeClr val="lt1"/>
+          </a:fontRef>
+        </p:style>
+        <p:txBody>
+          <a:bodyPr rot="0" spcFirstLastPara="0" vertOverflow="overflow" horzOverflow="overflow" vert="horz" wrap="square" lIns="91440" tIns="45720" rIns="91440" bIns="45720" numCol="1" spcCol="0" rtlCol="0" fromWordArt="0" anchor="t" anchorCtr="0" forceAA="0" compatLnSpc="1">
+            <a:prstTxWarp prst="textNoShape">
               <a:avLst/>
-            </a:prstGeom>
-            <a:solidFill>
-              <a:srgbClr val="C00000"/>
-            </a:solidFill>
-            <a:ln w="12700">
-              <a:noFill/>
-            </a:ln>
-          </p:spPr>
-          <p:style>
-            <a:lnRef idx="2">
-              <a:schemeClr val="accent1">
-                <a:shade val="50000"/>
-              </a:schemeClr>
-            </a:lnRef>
-            <a:fillRef idx="1">
-              <a:schemeClr val="accent1"/>
-            </a:fillRef>
-            <a:effectRef idx="0">
-              <a:schemeClr val="accent1"/>
-            </a:effectRef>
-            <a:fontRef idx="minor">
-              <a:schemeClr val="lt1"/>
-            </a:fontRef>
-          </p:style>
-          <p:txBody>
-            <a:bodyPr rot="0" spcFirstLastPara="0" vertOverflow="overflow" horzOverflow="overflow" vert="horz" wrap="square" lIns="91440" tIns="45720" rIns="91440" bIns="45720" numCol="1" spcCol="0" rtlCol="0" fromWordArt="0" anchor="t" anchorCtr="0" forceAA="0" compatLnSpc="1">
-              <a:prstTxWarp prst="textNoShape">
-                <a:avLst/>
-              </a:prstTxWarp>
-              <a:noAutofit/>
-            </a:bodyPr>
-            <a:lstStyle/>
-            <a:p>
-              <a:pPr algn="l"/>
-              <a:endParaRPr lang="en-US" sz="1600" dirty="0" err="1"/>
-            </a:p>
-          </p:txBody>
-        </p:sp>
-        <p:sp>
-          <p:nvSpPr>
-            <p:cNvPr id="62" name="Rectángulo 61">
-              <a:extLst>
-                <a:ext uri="{FF2B5EF4-FFF2-40B4-BE49-F238E27FC236}">
-                  <a16:creationId xmlns:a16="http://schemas.microsoft.com/office/drawing/2014/main" id="{EB50F42D-E808-9E43-B04A-962CA7097658}"/>
-                </a:ext>
-              </a:extLst>
-            </p:cNvPr>
-            <p:cNvSpPr/>
-            <p:nvPr/>
-          </p:nvSpPr>
-          <p:spPr bwMode="ltGray">
-            <a:xfrm>
-              <a:off x="7673941" y="2835668"/>
-              <a:ext cx="180000" cy="648000"/>
-            </a:xfrm>
-            <a:prstGeom prst="rect">
+            </a:prstTxWarp>
+            <a:noAutofit/>
+          </a:bodyPr>
+          <a:lstStyle/>
+          <a:p>
+            <a:pPr algn="l"/>
+            <a:endParaRPr lang="en-US" sz="1600" dirty="0" err="1"/>
+          </a:p>
+        </p:txBody>
+      </p:sp>
+      <p:sp>
+        <p:nvSpPr>
+          <p:cNvPr id="66" name="Rectángulo 65">
+            <a:extLst>
+              <a:ext uri="{FF2B5EF4-FFF2-40B4-BE49-F238E27FC236}">
+                <a16:creationId xmlns:a16="http://schemas.microsoft.com/office/drawing/2014/main" id="{9BBE31CC-B7CA-8941-B421-9CD6AED186E8}"/>
+              </a:ext>
+            </a:extLst>
+          </p:cNvPr>
+          <p:cNvSpPr/>
+          <p:nvPr/>
+        </p:nvSpPr>
+        <p:spPr bwMode="ltGray">
+          <a:xfrm>
+            <a:off x="5000820" y="2812769"/>
+            <a:ext cx="340439" cy="817053"/>
+          </a:xfrm>
+          <a:prstGeom prst="rect">
+            <a:avLst/>
+          </a:prstGeom>
+          <a:solidFill>
+            <a:srgbClr val="0070C0"/>
+          </a:solidFill>
+          <a:ln w="12700">
+            <a:noFill/>
+          </a:ln>
+        </p:spPr>
+        <p:style>
+          <a:lnRef idx="2">
+            <a:schemeClr val="accent1">
+              <a:shade val="50000"/>
+            </a:schemeClr>
+          </a:lnRef>
+          <a:fillRef idx="1">
+            <a:schemeClr val="accent1"/>
+          </a:fillRef>
+          <a:effectRef idx="0">
+            <a:schemeClr val="accent1"/>
+          </a:effectRef>
+          <a:fontRef idx="minor">
+            <a:schemeClr val="lt1"/>
+          </a:fontRef>
+        </p:style>
+        <p:txBody>
+          <a:bodyPr rot="0" spcFirstLastPara="0" vertOverflow="overflow" horzOverflow="overflow" vert="horz" wrap="square" lIns="91440" tIns="45720" rIns="91440" bIns="45720" numCol="1" spcCol="0" rtlCol="0" fromWordArt="0" anchor="t" anchorCtr="0" forceAA="0" compatLnSpc="1">
+            <a:prstTxWarp prst="textNoShape">
               <a:avLst/>
-            </a:prstGeom>
-            <a:solidFill>
-              <a:srgbClr val="C00000"/>
-            </a:solidFill>
-            <a:ln w="12700">
-              <a:noFill/>
-            </a:ln>
-          </p:spPr>
-          <p:style>
-            <a:lnRef idx="2">
-              <a:schemeClr val="accent1">
-                <a:shade val="50000"/>
-              </a:schemeClr>
-            </a:lnRef>
-            <a:fillRef idx="1">
-              <a:schemeClr val="accent1"/>
-            </a:fillRef>
-            <a:effectRef idx="0">
-              <a:schemeClr val="accent1"/>
-            </a:effectRef>
-            <a:fontRef idx="minor">
-              <a:schemeClr val="lt1"/>
-            </a:fontRef>
-          </p:style>
-          <p:txBody>
-            <a:bodyPr rot="0" spcFirstLastPara="0" vertOverflow="overflow" horzOverflow="overflow" vert="horz" wrap="square" lIns="91440" tIns="45720" rIns="91440" bIns="45720" numCol="1" spcCol="0" rtlCol="0" fromWordArt="0" anchor="t" anchorCtr="0" forceAA="0" compatLnSpc="1">
-              <a:prstTxWarp prst="textNoShape">
-                <a:avLst/>
-              </a:prstTxWarp>
-              <a:noAutofit/>
-            </a:bodyPr>
-            <a:lstStyle/>
-            <a:p>
-              <a:pPr algn="l"/>
-              <a:endParaRPr lang="en-US" sz="1600" dirty="0" err="1"/>
-            </a:p>
-          </p:txBody>
-        </p:sp>
-        <p:sp>
-          <p:nvSpPr>
-            <p:cNvPr id="63" name="Rectángulo 62">
-              <a:extLst>
-                <a:ext uri="{FF2B5EF4-FFF2-40B4-BE49-F238E27FC236}">
-                  <a16:creationId xmlns:a16="http://schemas.microsoft.com/office/drawing/2014/main" id="{6A4D2F32-5947-A243-BDEB-2E06DF356870}"/>
-                </a:ext>
-              </a:extLst>
-            </p:cNvPr>
-            <p:cNvSpPr/>
-            <p:nvPr/>
-          </p:nvSpPr>
-          <p:spPr bwMode="ltGray">
-            <a:xfrm>
-              <a:off x="7323811" y="3051668"/>
-              <a:ext cx="180000" cy="432000"/>
-            </a:xfrm>
-            <a:prstGeom prst="rect">
+            </a:prstTxWarp>
+            <a:noAutofit/>
+          </a:bodyPr>
+          <a:lstStyle/>
+          <a:p>
+            <a:pPr algn="l"/>
+            <a:endParaRPr lang="en-US" sz="1600" dirty="0" err="1"/>
+          </a:p>
+        </p:txBody>
+      </p:sp>
+      <p:sp>
+        <p:nvSpPr>
+          <p:cNvPr id="68" name="CuadroTexto 67">
+            <a:extLst>
+              <a:ext uri="{FF2B5EF4-FFF2-40B4-BE49-F238E27FC236}">
+                <a16:creationId xmlns:a16="http://schemas.microsoft.com/office/drawing/2014/main" id="{E307E35A-17AB-0443-99A0-7D7A05DF992F}"/>
+              </a:ext>
+            </a:extLst>
+          </p:cNvPr>
+          <p:cNvSpPr txBox="1"/>
+          <p:nvPr/>
+        </p:nvSpPr>
+        <p:spPr>
+          <a:xfrm>
+            <a:off x="1974165" y="4316488"/>
+            <a:ext cx="2154436" cy="923329"/>
+          </a:xfrm>
+          <a:prstGeom prst="rect">
+            <a:avLst/>
+          </a:prstGeom>
+          <a:noFill/>
+        </p:spPr>
+        <p:txBody>
+          <a:bodyPr wrap="none" lIns="0" tIns="0" rIns="0" bIns="0" rtlCol="0" anchor="ctr">
+            <a:spAutoFit/>
+          </a:bodyPr>
+          <a:lstStyle/>
+          <a:p>
+            <a:r>
+              <a:rPr lang="en-US" sz="2000" dirty="0" err="1">
+                <a:latin typeface="Courier New" panose="02070309020205020404" pitchFamily="49" charset="0"/>
+                <a:cs typeface="Courier New" panose="02070309020205020404" pitchFamily="49" charset="0"/>
+                <a:sym typeface="Wingdings" pitchFamily="2" charset="2"/>
+              </a:rPr>
+              <a:t>netchange</a:t>
+            </a:r>
+            <a:r>
+              <a:rPr lang="en-US" sz="2000" dirty="0">
+                <a:latin typeface="Courier New" panose="02070309020205020404" pitchFamily="49" charset="0"/>
+                <a:cs typeface="Courier New" panose="02070309020205020404" pitchFamily="49" charset="0"/>
+                <a:sym typeface="Wingdings" pitchFamily="2" charset="2"/>
+              </a:rPr>
+              <a:t> = +1</a:t>
+            </a:r>
+          </a:p>
+          <a:p>
+            <a:r>
+              <a:rPr lang="en-US" sz="2000" dirty="0">
+                <a:latin typeface="Courier New" panose="02070309020205020404" pitchFamily="49" charset="0"/>
+                <a:cs typeface="Courier New" panose="02070309020205020404" pitchFamily="49" charset="0"/>
+                <a:sym typeface="Wingdings" pitchFamily="2" charset="2"/>
+              </a:rPr>
+              <a:t>p2pchange</a:t>
+            </a:r>
+            <a:r>
+              <a:rPr lang="en-US" sz="2000" b="1" baseline="30000" dirty="0">
+                <a:latin typeface="Courier New" panose="02070309020205020404" pitchFamily="49" charset="0"/>
+                <a:cs typeface="Courier New" panose="02070309020205020404" pitchFamily="49" charset="0"/>
+                <a:sym typeface="Wingdings" pitchFamily="2" charset="2"/>
+              </a:rPr>
+              <a:t>*</a:t>
+            </a:r>
+            <a:r>
+              <a:rPr lang="en-US" sz="2000" dirty="0">
+                <a:latin typeface="Courier New" panose="02070309020205020404" pitchFamily="49" charset="0"/>
+                <a:cs typeface="Courier New" panose="02070309020205020404" pitchFamily="49" charset="0"/>
+                <a:sym typeface="Wingdings" pitchFamily="2" charset="2"/>
+              </a:rPr>
+              <a:t> = 5</a:t>
+            </a:r>
+          </a:p>
+          <a:p>
+            <a:r>
+              <a:rPr lang="en-US" sz="2000" dirty="0" err="1">
+                <a:latin typeface="Courier New" panose="02070309020205020404" pitchFamily="49" charset="0"/>
+                <a:cs typeface="Courier New" panose="02070309020205020404" pitchFamily="49" charset="0"/>
+                <a:sym typeface="Wingdings" pitchFamily="2" charset="2"/>
+              </a:rPr>
+              <a:t>numchange</a:t>
+            </a:r>
+            <a:r>
+              <a:rPr lang="en-US" sz="2000" dirty="0">
+                <a:latin typeface="Courier New" panose="02070309020205020404" pitchFamily="49" charset="0"/>
+                <a:cs typeface="Courier New" panose="02070309020205020404" pitchFamily="49" charset="0"/>
+                <a:sym typeface="Wingdings" pitchFamily="2" charset="2"/>
+              </a:rPr>
+              <a:t> = 11</a:t>
+            </a:r>
+          </a:p>
+        </p:txBody>
+      </p:sp>
+      <p:sp>
+        <p:nvSpPr>
+          <p:cNvPr id="69" name="Rectángulo 68">
+            <a:extLst>
+              <a:ext uri="{FF2B5EF4-FFF2-40B4-BE49-F238E27FC236}">
+                <a16:creationId xmlns:a16="http://schemas.microsoft.com/office/drawing/2014/main" id="{75062723-1615-694F-8A34-41DFE5FD0EA2}"/>
+              </a:ext>
+            </a:extLst>
+          </p:cNvPr>
+          <p:cNvSpPr/>
+          <p:nvPr/>
+        </p:nvSpPr>
+        <p:spPr bwMode="ltGray">
+          <a:xfrm>
+            <a:off x="5663031" y="3226143"/>
+            <a:ext cx="340439" cy="408527"/>
+          </a:xfrm>
+          <a:prstGeom prst="rect">
+            <a:avLst/>
+          </a:prstGeom>
+          <a:solidFill>
+            <a:srgbClr val="0070C0"/>
+          </a:solidFill>
+          <a:ln w="12700">
+            <a:noFill/>
+          </a:ln>
+        </p:spPr>
+        <p:style>
+          <a:lnRef idx="2">
+            <a:schemeClr val="accent1">
+              <a:shade val="50000"/>
+            </a:schemeClr>
+          </a:lnRef>
+          <a:fillRef idx="1">
+            <a:schemeClr val="accent1"/>
+          </a:fillRef>
+          <a:effectRef idx="0">
+            <a:schemeClr val="accent1"/>
+          </a:effectRef>
+          <a:fontRef idx="minor">
+            <a:schemeClr val="lt1"/>
+          </a:fontRef>
+        </p:style>
+        <p:txBody>
+          <a:bodyPr rot="0" spcFirstLastPara="0" vertOverflow="overflow" horzOverflow="overflow" vert="horz" wrap="square" lIns="91440" tIns="45720" rIns="91440" bIns="45720" numCol="1" spcCol="0" rtlCol="0" fromWordArt="0" anchor="t" anchorCtr="0" forceAA="0" compatLnSpc="1">
+            <a:prstTxWarp prst="textNoShape">
               <a:avLst/>
-            </a:prstGeom>
-            <a:solidFill>
-              <a:srgbClr val="C00000"/>
-            </a:solidFill>
-            <a:ln w="12700">
-              <a:noFill/>
-            </a:ln>
-          </p:spPr>
-          <p:style>
-            <a:lnRef idx="2">
-              <a:schemeClr val="accent1">
-                <a:shade val="50000"/>
-              </a:schemeClr>
-            </a:lnRef>
-            <a:fillRef idx="1">
-              <a:schemeClr val="accent1"/>
-            </a:fillRef>
-            <a:effectRef idx="0">
-              <a:schemeClr val="accent1"/>
-            </a:effectRef>
-            <a:fontRef idx="minor">
-              <a:schemeClr val="lt1"/>
-            </a:fontRef>
-          </p:style>
-          <p:txBody>
-            <a:bodyPr rot="0" spcFirstLastPara="0" vertOverflow="overflow" horzOverflow="overflow" vert="horz" wrap="square" lIns="91440" tIns="45720" rIns="91440" bIns="45720" numCol="1" spcCol="0" rtlCol="0" fromWordArt="0" anchor="t" anchorCtr="0" forceAA="0" compatLnSpc="1">
-              <a:prstTxWarp prst="textNoShape">
-                <a:avLst/>
-              </a:prstTxWarp>
-              <a:noAutofit/>
-            </a:bodyPr>
-            <a:lstStyle/>
-            <a:p>
-              <a:pPr algn="l"/>
-              <a:endParaRPr lang="en-US" sz="1600" dirty="0" err="1"/>
-            </a:p>
-          </p:txBody>
-        </p:sp>
-        <p:sp>
-          <p:nvSpPr>
-            <p:cNvPr id="65" name="Rectángulo 64">
-              <a:extLst>
-                <a:ext uri="{FF2B5EF4-FFF2-40B4-BE49-F238E27FC236}">
-                  <a16:creationId xmlns:a16="http://schemas.microsoft.com/office/drawing/2014/main" id="{A831038F-8D71-FB4D-AD2A-B995D40457AD}"/>
-                </a:ext>
-              </a:extLst>
-            </p:cNvPr>
-            <p:cNvSpPr/>
-            <p:nvPr/>
-          </p:nvSpPr>
-          <p:spPr bwMode="ltGray">
-            <a:xfrm>
-              <a:off x="8374201" y="2833500"/>
-              <a:ext cx="180000" cy="648000"/>
-            </a:xfrm>
-            <a:prstGeom prst="rect">
+            </a:prstTxWarp>
+            <a:noAutofit/>
+          </a:bodyPr>
+          <a:lstStyle/>
+          <a:p>
+            <a:pPr algn="l"/>
+            <a:endParaRPr lang="en-US" sz="1600" dirty="0" err="1"/>
+          </a:p>
+        </p:txBody>
+      </p:sp>
+      <p:sp>
+        <p:nvSpPr>
+          <p:cNvPr id="70" name="Rectángulo 69">
+            <a:extLst>
+              <a:ext uri="{FF2B5EF4-FFF2-40B4-BE49-F238E27FC236}">
+                <a16:creationId xmlns:a16="http://schemas.microsoft.com/office/drawing/2014/main" id="{2B3CCBBB-8F7B-7545-B622-7B8BEBF75531}"/>
+              </a:ext>
+            </a:extLst>
+          </p:cNvPr>
+          <p:cNvSpPr/>
+          <p:nvPr/>
+        </p:nvSpPr>
+        <p:spPr bwMode="ltGray">
+          <a:xfrm>
+            <a:off x="6294749" y="3612870"/>
+            <a:ext cx="340439" cy="36000"/>
+          </a:xfrm>
+          <a:prstGeom prst="rect">
+            <a:avLst/>
+          </a:prstGeom>
+          <a:solidFill>
+            <a:srgbClr val="0070C0"/>
+          </a:solidFill>
+          <a:ln w="12700">
+            <a:noFill/>
+          </a:ln>
+        </p:spPr>
+        <p:style>
+          <a:lnRef idx="2">
+            <a:schemeClr val="accent1">
+              <a:shade val="50000"/>
+            </a:schemeClr>
+          </a:lnRef>
+          <a:fillRef idx="1">
+            <a:schemeClr val="accent1"/>
+          </a:fillRef>
+          <a:effectRef idx="0">
+            <a:schemeClr val="accent1"/>
+          </a:effectRef>
+          <a:fontRef idx="minor">
+            <a:schemeClr val="lt1"/>
+          </a:fontRef>
+        </p:style>
+        <p:txBody>
+          <a:bodyPr rot="0" spcFirstLastPara="0" vertOverflow="overflow" horzOverflow="overflow" vert="horz" wrap="square" lIns="91440" tIns="45720" rIns="91440" bIns="45720" numCol="1" spcCol="0" rtlCol="0" fromWordArt="0" anchor="t" anchorCtr="0" forceAA="0" compatLnSpc="1">
+            <a:prstTxWarp prst="textNoShape">
               <a:avLst/>
-            </a:prstGeom>
-            <a:solidFill>
-              <a:srgbClr val="0070C0"/>
-            </a:solidFill>
-            <a:ln w="12700">
-              <a:noFill/>
-            </a:ln>
-          </p:spPr>
-          <p:style>
-            <a:lnRef idx="2">
-              <a:schemeClr val="accent1">
-                <a:shade val="50000"/>
-              </a:schemeClr>
-            </a:lnRef>
-            <a:fillRef idx="1">
-              <a:schemeClr val="accent1"/>
-            </a:fillRef>
-            <a:effectRef idx="0">
-              <a:schemeClr val="accent1"/>
-            </a:effectRef>
-            <a:fontRef idx="minor">
-              <a:schemeClr val="lt1"/>
-            </a:fontRef>
-          </p:style>
-          <p:txBody>
-            <a:bodyPr rot="0" spcFirstLastPara="0" vertOverflow="overflow" horzOverflow="overflow" vert="horz" wrap="square" lIns="91440" tIns="45720" rIns="91440" bIns="45720" numCol="1" spcCol="0" rtlCol="0" fromWordArt="0" anchor="t" anchorCtr="0" forceAA="0" compatLnSpc="1">
-              <a:prstTxWarp prst="textNoShape">
-                <a:avLst/>
-              </a:prstTxWarp>
-              <a:noAutofit/>
-            </a:bodyPr>
-            <a:lstStyle/>
-            <a:p>
-              <a:pPr algn="l"/>
-              <a:endParaRPr lang="en-US" sz="1600" dirty="0" err="1"/>
-            </a:p>
-          </p:txBody>
-        </p:sp>
-        <p:sp>
-          <p:nvSpPr>
-            <p:cNvPr id="66" name="Rectángulo 65">
-              <a:extLst>
-                <a:ext uri="{FF2B5EF4-FFF2-40B4-BE49-F238E27FC236}">
-                  <a16:creationId xmlns:a16="http://schemas.microsoft.com/office/drawing/2014/main" id="{9BBE31CC-B7CA-8941-B421-9CD6AED186E8}"/>
-                </a:ext>
-              </a:extLst>
-            </p:cNvPr>
-            <p:cNvSpPr/>
-            <p:nvPr/>
-          </p:nvSpPr>
-          <p:spPr bwMode="ltGray">
-            <a:xfrm>
-              <a:off x="8724331" y="3040463"/>
-              <a:ext cx="180000" cy="432000"/>
-            </a:xfrm>
-            <a:prstGeom prst="rect">
+            </a:prstTxWarp>
+            <a:noAutofit/>
+          </a:bodyPr>
+          <a:lstStyle/>
+          <a:p>
+            <a:pPr algn="l"/>
+            <a:endParaRPr lang="en-US" sz="1600" dirty="0" err="1"/>
+          </a:p>
+        </p:txBody>
+      </p:sp>
+      <p:sp>
+        <p:nvSpPr>
+          <p:cNvPr id="71" name="Rectángulo 70">
+            <a:extLst>
+              <a:ext uri="{FF2B5EF4-FFF2-40B4-BE49-F238E27FC236}">
+                <a16:creationId xmlns:a16="http://schemas.microsoft.com/office/drawing/2014/main" id="{378B1CEF-B14E-7B4F-84C9-74D788548B43}"/>
+              </a:ext>
+            </a:extLst>
+          </p:cNvPr>
+          <p:cNvSpPr/>
+          <p:nvPr/>
+        </p:nvSpPr>
+        <p:spPr bwMode="ltGray">
+          <a:xfrm>
+            <a:off x="6953489" y="3635111"/>
+            <a:ext cx="340439" cy="408527"/>
+          </a:xfrm>
+          <a:prstGeom prst="rect">
+            <a:avLst/>
+          </a:prstGeom>
+          <a:solidFill>
+            <a:srgbClr val="0070C0"/>
+          </a:solidFill>
+          <a:ln w="12700">
+            <a:noFill/>
+          </a:ln>
+        </p:spPr>
+        <p:style>
+          <a:lnRef idx="2">
+            <a:schemeClr val="accent1">
+              <a:shade val="50000"/>
+            </a:schemeClr>
+          </a:lnRef>
+          <a:fillRef idx="1">
+            <a:schemeClr val="accent1"/>
+          </a:fillRef>
+          <a:effectRef idx="0">
+            <a:schemeClr val="accent1"/>
+          </a:effectRef>
+          <a:fontRef idx="minor">
+            <a:schemeClr val="lt1"/>
+          </a:fontRef>
+        </p:style>
+        <p:txBody>
+          <a:bodyPr rot="0" spcFirstLastPara="0" vertOverflow="overflow" horzOverflow="overflow" vert="horz" wrap="square" lIns="91440" tIns="45720" rIns="91440" bIns="45720" numCol="1" spcCol="0" rtlCol="0" fromWordArt="0" anchor="t" anchorCtr="0" forceAA="0" compatLnSpc="1">
+            <a:prstTxWarp prst="textNoShape">
               <a:avLst/>
-            </a:prstGeom>
-            <a:solidFill>
-              <a:srgbClr val="0070C0"/>
-            </a:solidFill>
-            <a:ln w="12700">
-              <a:noFill/>
-            </a:ln>
-          </p:spPr>
-          <p:style>
-            <a:lnRef idx="2">
-              <a:schemeClr val="accent1">
-                <a:shade val="50000"/>
-              </a:schemeClr>
-            </a:lnRef>
-            <a:fillRef idx="1">
-              <a:schemeClr val="accent1"/>
-            </a:fillRef>
-            <a:effectRef idx="0">
-              <a:schemeClr val="accent1"/>
-            </a:effectRef>
-            <a:fontRef idx="minor">
-              <a:schemeClr val="lt1"/>
-            </a:fontRef>
-          </p:style>
-          <p:txBody>
-            <a:bodyPr rot="0" spcFirstLastPara="0" vertOverflow="overflow" horzOverflow="overflow" vert="horz" wrap="square" lIns="91440" tIns="45720" rIns="91440" bIns="45720" numCol="1" spcCol="0" rtlCol="0" fromWordArt="0" anchor="t" anchorCtr="0" forceAA="0" compatLnSpc="1">
-              <a:prstTxWarp prst="textNoShape">
-                <a:avLst/>
-              </a:prstTxWarp>
-              <a:noAutofit/>
-            </a:bodyPr>
-            <a:lstStyle/>
-            <a:p>
-              <a:pPr algn="l"/>
-              <a:endParaRPr lang="en-US" sz="1600" dirty="0" err="1"/>
-            </a:p>
-          </p:txBody>
-        </p:sp>
-        <p:sp>
-          <p:nvSpPr>
-            <p:cNvPr id="68" name="CuadroTexto 67">
-              <a:extLst>
-                <a:ext uri="{FF2B5EF4-FFF2-40B4-BE49-F238E27FC236}">
-                  <a16:creationId xmlns:a16="http://schemas.microsoft.com/office/drawing/2014/main" id="{E307E35A-17AB-0443-99A0-7D7A05DF992F}"/>
-                </a:ext>
-              </a:extLst>
-            </p:cNvPr>
-            <p:cNvSpPr txBox="1"/>
-            <p:nvPr/>
-          </p:nvSpPr>
-          <p:spPr>
-            <a:xfrm>
-              <a:off x="7250052" y="3710287"/>
-              <a:ext cx="1728037" cy="738664"/>
-            </a:xfrm>
-            <a:prstGeom prst="rect">
+            </a:prstTxWarp>
+            <a:noAutofit/>
+          </a:bodyPr>
+          <a:lstStyle/>
+          <a:p>
+            <a:pPr algn="l"/>
+            <a:endParaRPr lang="en-US" sz="1600" dirty="0" err="1"/>
+          </a:p>
+        </p:txBody>
+      </p:sp>
+      <p:sp>
+        <p:nvSpPr>
+          <p:cNvPr id="72" name="Rectángulo 71">
+            <a:extLst>
+              <a:ext uri="{FF2B5EF4-FFF2-40B4-BE49-F238E27FC236}">
+                <a16:creationId xmlns:a16="http://schemas.microsoft.com/office/drawing/2014/main" id="{31A1B552-B590-294E-B31A-4D23F441DB83}"/>
+              </a:ext>
+            </a:extLst>
+          </p:cNvPr>
+          <p:cNvSpPr/>
+          <p:nvPr/>
+        </p:nvSpPr>
+        <p:spPr bwMode="ltGray">
+          <a:xfrm>
+            <a:off x="7542282" y="3605878"/>
+            <a:ext cx="340439" cy="36000"/>
+          </a:xfrm>
+          <a:prstGeom prst="rect">
+            <a:avLst/>
+          </a:prstGeom>
+          <a:solidFill>
+            <a:srgbClr val="C00000"/>
+          </a:solidFill>
+          <a:ln w="12700">
+            <a:noFill/>
+          </a:ln>
+        </p:spPr>
+        <p:style>
+          <a:lnRef idx="2">
+            <a:schemeClr val="accent1">
+              <a:shade val="50000"/>
+            </a:schemeClr>
+          </a:lnRef>
+          <a:fillRef idx="1">
+            <a:schemeClr val="accent1"/>
+          </a:fillRef>
+          <a:effectRef idx="0">
+            <a:schemeClr val="accent1"/>
+          </a:effectRef>
+          <a:fontRef idx="minor">
+            <a:schemeClr val="lt1"/>
+          </a:fontRef>
+        </p:style>
+        <p:txBody>
+          <a:bodyPr rot="0" spcFirstLastPara="0" vertOverflow="overflow" horzOverflow="overflow" vert="horz" wrap="square" lIns="91440" tIns="45720" rIns="91440" bIns="45720" numCol="1" spcCol="0" rtlCol="0" fromWordArt="0" anchor="t" anchorCtr="0" forceAA="0" compatLnSpc="1">
+            <a:prstTxWarp prst="textNoShape">
               <a:avLst/>
-            </a:prstGeom>
+            </a:prstTxWarp>
+            <a:noAutofit/>
+          </a:bodyPr>
+          <a:lstStyle/>
+          <a:p>
+            <a:pPr algn="l"/>
+            <a:endParaRPr lang="en-US" sz="1600" dirty="0" err="1"/>
+          </a:p>
+        </p:txBody>
+      </p:sp>
+      <p:sp>
+        <p:nvSpPr>
+          <p:cNvPr id="73" name="Rectángulo 72">
+            <a:extLst>
+              <a:ext uri="{FF2B5EF4-FFF2-40B4-BE49-F238E27FC236}">
+                <a16:creationId xmlns:a16="http://schemas.microsoft.com/office/drawing/2014/main" id="{555BB357-394C-6D43-BB76-86A8B60737F8}"/>
+              </a:ext>
+            </a:extLst>
+          </p:cNvPr>
+          <p:cNvSpPr/>
+          <p:nvPr/>
+        </p:nvSpPr>
+        <p:spPr bwMode="ltGray">
+          <a:xfrm>
+            <a:off x="8132933" y="3224635"/>
+            <a:ext cx="340439" cy="408527"/>
+          </a:xfrm>
+          <a:prstGeom prst="rect">
+            <a:avLst/>
+          </a:prstGeom>
+          <a:solidFill>
+            <a:srgbClr val="C00000"/>
+          </a:solidFill>
+          <a:ln w="12700">
             <a:noFill/>
-          </p:spPr>
-          <p:txBody>
-            <a:bodyPr wrap="none" lIns="0" tIns="0" rIns="0" bIns="0" rtlCol="0">
-              <a:spAutoFit/>
-            </a:bodyPr>
-            <a:lstStyle/>
-            <a:p>
-              <a:r>
-                <a:rPr lang="en-US" sz="1600" dirty="0" err="1">
-                  <a:latin typeface="Courier New" panose="02070309020205020404" pitchFamily="49" charset="0"/>
-                  <a:cs typeface="Courier New" panose="02070309020205020404" pitchFamily="49" charset="0"/>
-                  <a:sym typeface="Wingdings" pitchFamily="2" charset="2"/>
-                </a:rPr>
-                <a:t>netchange</a:t>
-              </a:r>
-              <a:r>
-                <a:rPr lang="en-US" sz="1600" dirty="0">
-                  <a:latin typeface="Courier New" panose="02070309020205020404" pitchFamily="49" charset="0"/>
-                  <a:cs typeface="Courier New" panose="02070309020205020404" pitchFamily="49" charset="0"/>
-                  <a:sym typeface="Wingdings" pitchFamily="2" charset="2"/>
-                </a:rPr>
-                <a:t> = +1</a:t>
-              </a:r>
-            </a:p>
-            <a:p>
-              <a:r>
-                <a:rPr lang="en-US" sz="1600" dirty="0">
-                  <a:latin typeface="Courier New" panose="02070309020205020404" pitchFamily="49" charset="0"/>
-                  <a:cs typeface="Courier New" panose="02070309020205020404" pitchFamily="49" charset="0"/>
-                  <a:sym typeface="Wingdings" pitchFamily="2" charset="2"/>
-                </a:rPr>
-                <a:t>p2pchange = 5</a:t>
-              </a:r>
-            </a:p>
-            <a:p>
-              <a:r>
-                <a:rPr lang="en-US" sz="1600" dirty="0" err="1">
-                  <a:latin typeface="Courier New" panose="02070309020205020404" pitchFamily="49" charset="0"/>
-                  <a:cs typeface="Courier New" panose="02070309020205020404" pitchFamily="49" charset="0"/>
-                  <a:sym typeface="Wingdings" pitchFamily="2" charset="2"/>
-                </a:rPr>
-                <a:t>numchange</a:t>
-              </a:r>
-              <a:r>
-                <a:rPr lang="en-US" sz="1600" dirty="0">
-                  <a:latin typeface="Courier New" panose="02070309020205020404" pitchFamily="49" charset="0"/>
-                  <a:cs typeface="Courier New" panose="02070309020205020404" pitchFamily="49" charset="0"/>
-                  <a:sym typeface="Wingdings" pitchFamily="2" charset="2"/>
-                </a:rPr>
-                <a:t> = 11</a:t>
-              </a:r>
-            </a:p>
-          </p:txBody>
-        </p:sp>
-        <p:sp>
-          <p:nvSpPr>
-            <p:cNvPr id="69" name="Rectángulo 68">
-              <a:extLst>
-                <a:ext uri="{FF2B5EF4-FFF2-40B4-BE49-F238E27FC236}">
-                  <a16:creationId xmlns:a16="http://schemas.microsoft.com/office/drawing/2014/main" id="{75062723-1615-694F-8A34-41DFE5FD0EA2}"/>
-                </a:ext>
-              </a:extLst>
-            </p:cNvPr>
-            <p:cNvSpPr/>
-            <p:nvPr/>
-          </p:nvSpPr>
-          <p:spPr bwMode="ltGray">
-            <a:xfrm>
-              <a:off x="9074461" y="3254465"/>
-              <a:ext cx="180000" cy="216000"/>
-            </a:xfrm>
-            <a:prstGeom prst="rect">
+          </a:ln>
+        </p:spPr>
+        <p:style>
+          <a:lnRef idx="2">
+            <a:schemeClr val="accent1">
+              <a:shade val="50000"/>
+            </a:schemeClr>
+          </a:lnRef>
+          <a:fillRef idx="1">
+            <a:schemeClr val="accent1"/>
+          </a:fillRef>
+          <a:effectRef idx="0">
+            <a:schemeClr val="accent1"/>
+          </a:effectRef>
+          <a:fontRef idx="minor">
+            <a:schemeClr val="lt1"/>
+          </a:fontRef>
+        </p:style>
+        <p:txBody>
+          <a:bodyPr rot="0" spcFirstLastPara="0" vertOverflow="overflow" horzOverflow="overflow" vert="horz" wrap="square" lIns="91440" tIns="45720" rIns="91440" bIns="45720" numCol="1" spcCol="0" rtlCol="0" fromWordArt="0" anchor="t" anchorCtr="0" forceAA="0" compatLnSpc="1">
+            <a:prstTxWarp prst="textNoShape">
               <a:avLst/>
-            </a:prstGeom>
-            <a:solidFill>
-              <a:srgbClr val="0070C0"/>
-            </a:solidFill>
-            <a:ln w="12700">
-              <a:noFill/>
-            </a:ln>
-          </p:spPr>
-          <p:style>
-            <a:lnRef idx="2">
-              <a:schemeClr val="accent1">
-                <a:shade val="50000"/>
-              </a:schemeClr>
-            </a:lnRef>
-            <a:fillRef idx="1">
-              <a:schemeClr val="accent1"/>
-            </a:fillRef>
-            <a:effectRef idx="0">
-              <a:schemeClr val="accent1"/>
-            </a:effectRef>
-            <a:fontRef idx="minor">
-              <a:schemeClr val="lt1"/>
-            </a:fontRef>
-          </p:style>
-          <p:txBody>
-            <a:bodyPr rot="0" spcFirstLastPara="0" vertOverflow="overflow" horzOverflow="overflow" vert="horz" wrap="square" lIns="91440" tIns="45720" rIns="91440" bIns="45720" numCol="1" spcCol="0" rtlCol="0" fromWordArt="0" anchor="t" anchorCtr="0" forceAA="0" compatLnSpc="1">
-              <a:prstTxWarp prst="textNoShape">
-                <a:avLst/>
-              </a:prstTxWarp>
-              <a:noAutofit/>
-            </a:bodyPr>
-            <a:lstStyle/>
-            <a:p>
-              <a:pPr algn="l"/>
-              <a:endParaRPr lang="en-US" sz="1600" dirty="0" err="1"/>
-            </a:p>
-          </p:txBody>
-        </p:sp>
-        <p:sp>
-          <p:nvSpPr>
-            <p:cNvPr id="70" name="Rectángulo 69">
-              <a:extLst>
-                <a:ext uri="{FF2B5EF4-FFF2-40B4-BE49-F238E27FC236}">
-                  <a16:creationId xmlns:a16="http://schemas.microsoft.com/office/drawing/2014/main" id="{2B3CCBBB-8F7B-7545-B622-7B8BEBF75531}"/>
-                </a:ext>
-              </a:extLst>
-            </p:cNvPr>
-            <p:cNvSpPr/>
-            <p:nvPr/>
-          </p:nvSpPr>
-          <p:spPr bwMode="ltGray">
-            <a:xfrm>
-              <a:off x="9408469" y="3463500"/>
-              <a:ext cx="180000" cy="36000"/>
-            </a:xfrm>
-            <a:prstGeom prst="rect">
+            </a:prstTxWarp>
+            <a:noAutofit/>
+          </a:bodyPr>
+          <a:lstStyle/>
+          <a:p>
+            <a:pPr algn="l"/>
+            <a:endParaRPr lang="en-US" sz="1600" dirty="0" err="1"/>
+          </a:p>
+        </p:txBody>
+      </p:sp>
+      <p:sp>
+        <p:nvSpPr>
+          <p:cNvPr id="74" name="CuadroTexto 73">
+            <a:extLst>
+              <a:ext uri="{FF2B5EF4-FFF2-40B4-BE49-F238E27FC236}">
+                <a16:creationId xmlns:a16="http://schemas.microsoft.com/office/drawing/2014/main" id="{997B5FC3-A126-A54D-921C-14558F959489}"/>
+              </a:ext>
+            </a:extLst>
+          </p:cNvPr>
+          <p:cNvSpPr txBox="1"/>
+          <p:nvPr/>
+        </p:nvSpPr>
+        <p:spPr>
+          <a:xfrm>
+            <a:off x="1793254" y="2913199"/>
+            <a:ext cx="174727" cy="184666"/>
+          </a:xfrm>
+          <a:prstGeom prst="rect">
+            <a:avLst/>
+          </a:prstGeom>
+          <a:noFill/>
+        </p:spPr>
+        <p:txBody>
+          <a:bodyPr wrap="none" lIns="0" tIns="0" rIns="0" bIns="0" rtlCol="0" anchor="ctr">
+            <a:spAutoFit/>
+          </a:bodyPr>
+          <a:lstStyle/>
+          <a:p>
+            <a:pPr algn="ctr"/>
+            <a:r>
+              <a:rPr lang="en-US" sz="1200" dirty="0"/>
+              <a:t>+1</a:t>
+            </a:r>
+          </a:p>
+        </p:txBody>
+      </p:sp>
+      <p:sp>
+        <p:nvSpPr>
+          <p:cNvPr id="75" name="CuadroTexto 74">
+            <a:extLst>
+              <a:ext uri="{FF2B5EF4-FFF2-40B4-BE49-F238E27FC236}">
+                <a16:creationId xmlns:a16="http://schemas.microsoft.com/office/drawing/2014/main" id="{098C6767-18A3-504F-BF00-5EFAA2753936}"/>
+              </a:ext>
+            </a:extLst>
+          </p:cNvPr>
+          <p:cNvSpPr txBox="1"/>
+          <p:nvPr/>
+        </p:nvSpPr>
+        <p:spPr>
+          <a:xfrm>
+            <a:off x="2434834" y="2500965"/>
+            <a:ext cx="174727" cy="184666"/>
+          </a:xfrm>
+          <a:prstGeom prst="rect">
+            <a:avLst/>
+          </a:prstGeom>
+          <a:noFill/>
+        </p:spPr>
+        <p:txBody>
+          <a:bodyPr wrap="none" lIns="0" tIns="0" rIns="0" bIns="0" rtlCol="0" anchor="ctr">
+            <a:spAutoFit/>
+          </a:bodyPr>
+          <a:lstStyle/>
+          <a:p>
+            <a:pPr algn="ctr"/>
+            <a:r>
+              <a:rPr lang="en-US" sz="1200" dirty="0"/>
+              <a:t>+2</a:t>
+            </a:r>
+          </a:p>
+        </p:txBody>
+      </p:sp>
+      <p:sp>
+        <p:nvSpPr>
+          <p:cNvPr id="76" name="CuadroTexto 75">
+            <a:extLst>
+              <a:ext uri="{FF2B5EF4-FFF2-40B4-BE49-F238E27FC236}">
+                <a16:creationId xmlns:a16="http://schemas.microsoft.com/office/drawing/2014/main" id="{1AC1130C-82B7-214F-99D8-4FEC9D53FBB9}"/>
+              </a:ext>
+            </a:extLst>
+          </p:cNvPr>
+          <p:cNvSpPr txBox="1"/>
+          <p:nvPr/>
+        </p:nvSpPr>
+        <p:spPr>
+          <a:xfrm>
+            <a:off x="3081399" y="2074656"/>
+            <a:ext cx="174727" cy="184666"/>
+          </a:xfrm>
+          <a:prstGeom prst="rect">
+            <a:avLst/>
+          </a:prstGeom>
+          <a:noFill/>
+        </p:spPr>
+        <p:txBody>
+          <a:bodyPr wrap="none" lIns="0" tIns="0" rIns="0" bIns="0" rtlCol="0" anchor="ctr">
+            <a:spAutoFit/>
+          </a:bodyPr>
+          <a:lstStyle/>
+          <a:p>
+            <a:pPr algn="ctr"/>
+            <a:r>
+              <a:rPr lang="en-US" sz="1200" dirty="0"/>
+              <a:t>+3</a:t>
+            </a:r>
+          </a:p>
+        </p:txBody>
+      </p:sp>
+      <p:sp>
+        <p:nvSpPr>
+          <p:cNvPr id="77" name="CuadroTexto 76">
+            <a:extLst>
+              <a:ext uri="{FF2B5EF4-FFF2-40B4-BE49-F238E27FC236}">
+                <a16:creationId xmlns:a16="http://schemas.microsoft.com/office/drawing/2014/main" id="{03EE609A-DACD-604B-BAF4-8A28997F89E4}"/>
+              </a:ext>
+            </a:extLst>
+          </p:cNvPr>
+          <p:cNvSpPr txBox="1"/>
+          <p:nvPr/>
+        </p:nvSpPr>
+        <p:spPr>
+          <a:xfrm>
+            <a:off x="3755614" y="1683387"/>
+            <a:ext cx="174727" cy="184666"/>
+          </a:xfrm>
+          <a:prstGeom prst="rect">
+            <a:avLst/>
+          </a:prstGeom>
+          <a:noFill/>
+        </p:spPr>
+        <p:txBody>
+          <a:bodyPr wrap="none" lIns="0" tIns="0" rIns="0" bIns="0" rtlCol="0" anchor="ctr">
+            <a:spAutoFit/>
+          </a:bodyPr>
+          <a:lstStyle/>
+          <a:p>
+            <a:pPr algn="ctr"/>
+            <a:r>
+              <a:rPr lang="en-US" sz="1200" dirty="0"/>
+              <a:t>+4</a:t>
+            </a:r>
+          </a:p>
+        </p:txBody>
+      </p:sp>
+      <p:sp>
+        <p:nvSpPr>
+          <p:cNvPr id="78" name="CuadroTexto 77">
+            <a:extLst>
+              <a:ext uri="{FF2B5EF4-FFF2-40B4-BE49-F238E27FC236}">
+                <a16:creationId xmlns:a16="http://schemas.microsoft.com/office/drawing/2014/main" id="{8D6808E7-3A61-B44B-B220-9A3AF9913541}"/>
+              </a:ext>
+            </a:extLst>
+          </p:cNvPr>
+          <p:cNvSpPr txBox="1"/>
+          <p:nvPr/>
+        </p:nvSpPr>
+        <p:spPr>
+          <a:xfrm>
+            <a:off x="4416167" y="2074656"/>
+            <a:ext cx="174727" cy="184666"/>
+          </a:xfrm>
+          <a:prstGeom prst="rect">
+            <a:avLst/>
+          </a:prstGeom>
+          <a:noFill/>
+        </p:spPr>
+        <p:txBody>
+          <a:bodyPr wrap="none" lIns="0" tIns="0" rIns="0" bIns="0" rtlCol="0" anchor="ctr">
+            <a:spAutoFit/>
+          </a:bodyPr>
+          <a:lstStyle/>
+          <a:p>
+            <a:pPr algn="ctr"/>
+            <a:r>
+              <a:rPr lang="en-US" sz="1200" dirty="0"/>
+              <a:t>+3</a:t>
+            </a:r>
+          </a:p>
+        </p:txBody>
+      </p:sp>
+      <p:sp>
+        <p:nvSpPr>
+          <p:cNvPr id="79" name="CuadroTexto 78">
+            <a:extLst>
+              <a:ext uri="{FF2B5EF4-FFF2-40B4-BE49-F238E27FC236}">
+                <a16:creationId xmlns:a16="http://schemas.microsoft.com/office/drawing/2014/main" id="{4856CB52-E4FA-3D42-A561-DE0E2C87D847}"/>
+              </a:ext>
+            </a:extLst>
+          </p:cNvPr>
+          <p:cNvSpPr txBox="1"/>
+          <p:nvPr/>
+        </p:nvSpPr>
+        <p:spPr>
+          <a:xfrm>
+            <a:off x="5070223" y="2500965"/>
+            <a:ext cx="174727" cy="184666"/>
+          </a:xfrm>
+          <a:prstGeom prst="rect">
+            <a:avLst/>
+          </a:prstGeom>
+          <a:noFill/>
+        </p:spPr>
+        <p:txBody>
+          <a:bodyPr wrap="none" lIns="0" tIns="0" rIns="0" bIns="0" rtlCol="0" anchor="ctr">
+            <a:spAutoFit/>
+          </a:bodyPr>
+          <a:lstStyle/>
+          <a:p>
+            <a:pPr algn="ctr"/>
+            <a:r>
+              <a:rPr lang="en-US" sz="1200" dirty="0"/>
+              <a:t>+2</a:t>
+            </a:r>
+          </a:p>
+        </p:txBody>
+      </p:sp>
+      <p:sp>
+        <p:nvSpPr>
+          <p:cNvPr id="80" name="CuadroTexto 79">
+            <a:extLst>
+              <a:ext uri="{FF2B5EF4-FFF2-40B4-BE49-F238E27FC236}">
+                <a16:creationId xmlns:a16="http://schemas.microsoft.com/office/drawing/2014/main" id="{7C421B24-2DB5-7642-B38F-136FD5A8BDC2}"/>
+              </a:ext>
+            </a:extLst>
+          </p:cNvPr>
+          <p:cNvSpPr txBox="1"/>
+          <p:nvPr/>
+        </p:nvSpPr>
+        <p:spPr>
+          <a:xfrm>
+            <a:off x="5753914" y="2913199"/>
+            <a:ext cx="174727" cy="184666"/>
+          </a:xfrm>
+          <a:prstGeom prst="rect">
+            <a:avLst/>
+          </a:prstGeom>
+          <a:noFill/>
+        </p:spPr>
+        <p:txBody>
+          <a:bodyPr wrap="none" lIns="0" tIns="0" rIns="0" bIns="0" rtlCol="0" anchor="ctr">
+            <a:spAutoFit/>
+          </a:bodyPr>
+          <a:lstStyle/>
+          <a:p>
+            <a:pPr algn="ctr"/>
+            <a:r>
+              <a:rPr lang="en-US" sz="1200" dirty="0"/>
+              <a:t>+1</a:t>
+            </a:r>
+          </a:p>
+        </p:txBody>
+      </p:sp>
+      <p:sp>
+        <p:nvSpPr>
+          <p:cNvPr id="81" name="CuadroTexto 80">
+            <a:extLst>
+              <a:ext uri="{FF2B5EF4-FFF2-40B4-BE49-F238E27FC236}">
+                <a16:creationId xmlns:a16="http://schemas.microsoft.com/office/drawing/2014/main" id="{46A9DFAF-7BD7-834D-9E9E-B907F4351447}"/>
+              </a:ext>
+            </a:extLst>
+          </p:cNvPr>
+          <p:cNvSpPr txBox="1"/>
+          <p:nvPr/>
+        </p:nvSpPr>
+        <p:spPr>
+          <a:xfrm>
+            <a:off x="6365675" y="3340851"/>
+            <a:ext cx="141996" cy="184666"/>
+          </a:xfrm>
+          <a:prstGeom prst="rect">
+            <a:avLst/>
+          </a:prstGeom>
+          <a:noFill/>
+        </p:spPr>
+        <p:txBody>
+          <a:bodyPr wrap="square" lIns="0" tIns="0" rIns="0" bIns="0" rtlCol="0" anchor="ctr">
+            <a:spAutoFit/>
+          </a:bodyPr>
+          <a:lstStyle/>
+          <a:p>
+            <a:pPr algn="ctr"/>
+            <a:r>
+              <a:rPr lang="en-US" sz="1200" dirty="0"/>
+              <a:t>0</a:t>
+            </a:r>
+          </a:p>
+        </p:txBody>
+      </p:sp>
+      <p:sp>
+        <p:nvSpPr>
+          <p:cNvPr id="82" name="CuadroTexto 81">
+            <a:extLst>
+              <a:ext uri="{FF2B5EF4-FFF2-40B4-BE49-F238E27FC236}">
+                <a16:creationId xmlns:a16="http://schemas.microsoft.com/office/drawing/2014/main" id="{0E028432-9179-B444-9DCC-AA228C557E2F}"/>
+              </a:ext>
+            </a:extLst>
+          </p:cNvPr>
+          <p:cNvSpPr txBox="1"/>
+          <p:nvPr/>
+        </p:nvSpPr>
+        <p:spPr>
+          <a:xfrm>
+            <a:off x="6988836" y="4184879"/>
+            <a:ext cx="269744" cy="184666"/>
+          </a:xfrm>
+          <a:prstGeom prst="rect">
+            <a:avLst/>
+          </a:prstGeom>
+          <a:noFill/>
+        </p:spPr>
+        <p:txBody>
+          <a:bodyPr wrap="square" lIns="0" tIns="0" rIns="0" bIns="0" rtlCol="0" anchor="ctr">
+            <a:spAutoFit/>
+          </a:bodyPr>
+          <a:lstStyle/>
+          <a:p>
+            <a:pPr algn="ctr"/>
+            <a:r>
+              <a:rPr lang="en-US" sz="1200" dirty="0"/>
+              <a:t>-1</a:t>
+            </a:r>
+          </a:p>
+        </p:txBody>
+      </p:sp>
+      <p:sp>
+        <p:nvSpPr>
+          <p:cNvPr id="83" name="CuadroTexto 82">
+            <a:extLst>
+              <a:ext uri="{FF2B5EF4-FFF2-40B4-BE49-F238E27FC236}">
+                <a16:creationId xmlns:a16="http://schemas.microsoft.com/office/drawing/2014/main" id="{495BB0E7-87F3-4B45-B95C-A87B06B0B429}"/>
+              </a:ext>
+            </a:extLst>
+          </p:cNvPr>
+          <p:cNvSpPr txBox="1"/>
+          <p:nvPr/>
+        </p:nvSpPr>
+        <p:spPr>
+          <a:xfrm>
+            <a:off x="7588513" y="3336217"/>
+            <a:ext cx="233975" cy="184666"/>
+          </a:xfrm>
+          <a:prstGeom prst="rect">
+            <a:avLst/>
+          </a:prstGeom>
+          <a:noFill/>
+        </p:spPr>
+        <p:txBody>
+          <a:bodyPr wrap="square" lIns="0" tIns="0" rIns="0" bIns="0" rtlCol="0" anchor="ctr">
+            <a:spAutoFit/>
+          </a:bodyPr>
+          <a:lstStyle/>
+          <a:p>
+            <a:pPr algn="ctr"/>
+            <a:r>
+              <a:rPr lang="en-US" sz="1200" dirty="0"/>
+              <a:t>0</a:t>
+            </a:r>
+          </a:p>
+        </p:txBody>
+      </p:sp>
+      <p:sp>
+        <p:nvSpPr>
+          <p:cNvPr id="84" name="CuadroTexto 83">
+            <a:extLst>
+              <a:ext uri="{FF2B5EF4-FFF2-40B4-BE49-F238E27FC236}">
+                <a16:creationId xmlns:a16="http://schemas.microsoft.com/office/drawing/2014/main" id="{20822443-8451-9C4B-A4BA-BCD16EFE34F0}"/>
+              </a:ext>
+            </a:extLst>
+          </p:cNvPr>
+          <p:cNvSpPr txBox="1"/>
+          <p:nvPr/>
+        </p:nvSpPr>
+        <p:spPr>
+          <a:xfrm>
+            <a:off x="8215788" y="2908122"/>
+            <a:ext cx="174728" cy="184666"/>
+          </a:xfrm>
+          <a:prstGeom prst="rect">
+            <a:avLst/>
+          </a:prstGeom>
+          <a:noFill/>
+        </p:spPr>
+        <p:txBody>
+          <a:bodyPr wrap="none" lIns="0" tIns="0" rIns="0" bIns="0" rtlCol="0" anchor="ctr">
+            <a:spAutoFit/>
+          </a:bodyPr>
+          <a:lstStyle/>
+          <a:p>
+            <a:pPr algn="ctr"/>
+            <a:r>
+              <a:rPr lang="en-US" sz="1200" dirty="0"/>
+              <a:t>+1</a:t>
+            </a:r>
+          </a:p>
+        </p:txBody>
+      </p:sp>
+      <p:sp>
+        <p:nvSpPr>
+          <p:cNvPr id="30" name="Rectángulo 29">
+            <a:extLst>
+              <a:ext uri="{FF2B5EF4-FFF2-40B4-BE49-F238E27FC236}">
+                <a16:creationId xmlns:a16="http://schemas.microsoft.com/office/drawing/2014/main" id="{8E0B7022-CD2B-6E4B-8865-9DF5FCFF5A51}"/>
+              </a:ext>
+            </a:extLst>
+          </p:cNvPr>
+          <p:cNvSpPr/>
+          <p:nvPr/>
+        </p:nvSpPr>
+        <p:spPr bwMode="ltGray">
+          <a:xfrm>
+            <a:off x="1116035" y="3618624"/>
+            <a:ext cx="340439" cy="36000"/>
+          </a:xfrm>
+          <a:prstGeom prst="rect">
+            <a:avLst/>
+          </a:prstGeom>
+          <a:solidFill>
+            <a:schemeClr val="tx1"/>
+          </a:solidFill>
+          <a:ln w="12700">
+            <a:noFill/>
+          </a:ln>
+        </p:spPr>
+        <p:style>
+          <a:lnRef idx="2">
+            <a:schemeClr val="accent1">
+              <a:shade val="50000"/>
+            </a:schemeClr>
+          </a:lnRef>
+          <a:fillRef idx="1">
+            <a:schemeClr val="accent1"/>
+          </a:fillRef>
+          <a:effectRef idx="0">
+            <a:schemeClr val="accent1"/>
+          </a:effectRef>
+          <a:fontRef idx="minor">
+            <a:schemeClr val="lt1"/>
+          </a:fontRef>
+        </p:style>
+        <p:txBody>
+          <a:bodyPr rot="0" spcFirstLastPara="0" vertOverflow="overflow" horzOverflow="overflow" vert="horz" wrap="square" lIns="91440" tIns="45720" rIns="91440" bIns="45720" numCol="1" spcCol="0" rtlCol="0" fromWordArt="0" anchor="t" anchorCtr="0" forceAA="0" compatLnSpc="1">
+            <a:prstTxWarp prst="textNoShape">
               <a:avLst/>
-            </a:prstGeom>
-            <a:solidFill>
-              <a:srgbClr val="0070C0"/>
-            </a:solidFill>
-            <a:ln w="12700">
-              <a:noFill/>
-            </a:ln>
-          </p:spPr>
-          <p:style>
-            <a:lnRef idx="2">
-              <a:schemeClr val="accent1">
-                <a:shade val="50000"/>
-              </a:schemeClr>
-            </a:lnRef>
-            <a:fillRef idx="1">
-              <a:schemeClr val="accent1"/>
-            </a:fillRef>
-            <a:effectRef idx="0">
-              <a:schemeClr val="accent1"/>
-            </a:effectRef>
-            <a:fontRef idx="minor">
-              <a:schemeClr val="lt1"/>
-            </a:fontRef>
-          </p:style>
-          <p:txBody>
-            <a:bodyPr rot="0" spcFirstLastPara="0" vertOverflow="overflow" horzOverflow="overflow" vert="horz" wrap="square" lIns="91440" tIns="45720" rIns="91440" bIns="45720" numCol="1" spcCol="0" rtlCol="0" fromWordArt="0" anchor="t" anchorCtr="0" forceAA="0" compatLnSpc="1">
-              <a:prstTxWarp prst="textNoShape">
-                <a:avLst/>
-              </a:prstTxWarp>
-              <a:noAutofit/>
-            </a:bodyPr>
-            <a:lstStyle/>
-            <a:p>
-              <a:pPr algn="l"/>
-              <a:endParaRPr lang="en-US" sz="1600" dirty="0" err="1"/>
-            </a:p>
-          </p:txBody>
-        </p:sp>
-        <p:sp>
-          <p:nvSpPr>
-            <p:cNvPr id="71" name="Rectángulo 70">
-              <a:extLst>
-                <a:ext uri="{FF2B5EF4-FFF2-40B4-BE49-F238E27FC236}">
-                  <a16:creationId xmlns:a16="http://schemas.microsoft.com/office/drawing/2014/main" id="{378B1CEF-B14E-7B4F-84C9-74D788548B43}"/>
-                </a:ext>
-              </a:extLst>
-            </p:cNvPr>
-            <p:cNvSpPr/>
-            <p:nvPr/>
-          </p:nvSpPr>
-          <p:spPr bwMode="ltGray">
-            <a:xfrm>
-              <a:off x="9756764" y="3475259"/>
-              <a:ext cx="180000" cy="216000"/>
-            </a:xfrm>
-            <a:prstGeom prst="rect">
+            </a:prstTxWarp>
+            <a:noAutofit/>
+          </a:bodyPr>
+          <a:lstStyle/>
+          <a:p>
+            <a:pPr algn="l"/>
+            <a:endParaRPr lang="en-US" sz="1600" dirty="0" err="1"/>
+          </a:p>
+        </p:txBody>
+      </p:sp>
+      <p:sp>
+        <p:nvSpPr>
+          <p:cNvPr id="31" name="CuadroTexto 30">
+            <a:extLst>
+              <a:ext uri="{FF2B5EF4-FFF2-40B4-BE49-F238E27FC236}">
+                <a16:creationId xmlns:a16="http://schemas.microsoft.com/office/drawing/2014/main" id="{E7A53ED9-EC1D-8848-B508-9BE9D3E2D2E2}"/>
+              </a:ext>
+            </a:extLst>
+          </p:cNvPr>
+          <p:cNvSpPr txBox="1"/>
+          <p:nvPr/>
+        </p:nvSpPr>
+        <p:spPr>
+          <a:xfrm>
+            <a:off x="1214244" y="3336217"/>
+            <a:ext cx="158596" cy="184666"/>
+          </a:xfrm>
+          <a:prstGeom prst="rect">
+            <a:avLst/>
+          </a:prstGeom>
+          <a:noFill/>
+        </p:spPr>
+        <p:txBody>
+          <a:bodyPr wrap="square" lIns="0" tIns="0" rIns="0" bIns="0" rtlCol="0" anchor="ctr">
+            <a:spAutoFit/>
+          </a:bodyPr>
+          <a:lstStyle/>
+          <a:p>
+            <a:pPr algn="ctr"/>
+            <a:r>
+              <a:rPr lang="en-US" sz="1200" dirty="0"/>
+              <a:t>0</a:t>
+            </a:r>
+          </a:p>
+        </p:txBody>
+      </p:sp>
+      <p:sp>
+        <p:nvSpPr>
+          <p:cNvPr id="32" name="CuadroTexto 31">
+            <a:extLst>
+              <a:ext uri="{FF2B5EF4-FFF2-40B4-BE49-F238E27FC236}">
+                <a16:creationId xmlns:a16="http://schemas.microsoft.com/office/drawing/2014/main" id="{3B5E4E9D-54A0-0B48-97BE-E43E99B1C956}"/>
+              </a:ext>
+            </a:extLst>
+          </p:cNvPr>
+          <p:cNvSpPr txBox="1"/>
+          <p:nvPr/>
+        </p:nvSpPr>
+        <p:spPr>
+          <a:xfrm>
+            <a:off x="937622" y="3750168"/>
+            <a:ext cx="710944" cy="276999"/>
+          </a:xfrm>
+          <a:prstGeom prst="rect">
+            <a:avLst/>
+          </a:prstGeom>
+          <a:noFill/>
+        </p:spPr>
+        <p:txBody>
+          <a:bodyPr wrap="square" lIns="0" tIns="0" rIns="0" bIns="0" rtlCol="0" anchor="ctr">
+            <a:spAutoFit/>
+          </a:bodyPr>
+          <a:lstStyle/>
+          <a:p>
+            <a:pPr algn="ctr"/>
+            <a:r>
+              <a:rPr lang="en-US" dirty="0"/>
+              <a:t>(start)</a:t>
+            </a:r>
+          </a:p>
+        </p:txBody>
+      </p:sp>
+      <p:sp>
+        <p:nvSpPr>
+          <p:cNvPr id="33" name="CuadroTexto 32">
+            <a:extLst>
+              <a:ext uri="{FF2B5EF4-FFF2-40B4-BE49-F238E27FC236}">
+                <a16:creationId xmlns:a16="http://schemas.microsoft.com/office/drawing/2014/main" id="{D6A8E99C-6C36-444B-AF2E-39CB9671B414}"/>
+              </a:ext>
+            </a:extLst>
+          </p:cNvPr>
+          <p:cNvSpPr txBox="1"/>
+          <p:nvPr/>
+        </p:nvSpPr>
+        <p:spPr>
+          <a:xfrm>
+            <a:off x="7949086" y="3750167"/>
+            <a:ext cx="708132" cy="276999"/>
+          </a:xfrm>
+          <a:prstGeom prst="rect">
+            <a:avLst/>
+          </a:prstGeom>
+          <a:noFill/>
+        </p:spPr>
+        <p:txBody>
+          <a:bodyPr wrap="square" lIns="0" tIns="0" rIns="0" bIns="0" rtlCol="0" anchor="ctr">
+            <a:spAutoFit/>
+          </a:bodyPr>
+          <a:lstStyle/>
+          <a:p>
+            <a:pPr algn="ctr"/>
+            <a:r>
+              <a:rPr lang="en-US" dirty="0"/>
+              <a:t>(end)</a:t>
+            </a:r>
+          </a:p>
+        </p:txBody>
+      </p:sp>
+      <p:sp>
+        <p:nvSpPr>
+          <p:cNvPr id="2" name="Elipse 1">
+            <a:extLst>
+              <a:ext uri="{FF2B5EF4-FFF2-40B4-BE49-F238E27FC236}">
+                <a16:creationId xmlns:a16="http://schemas.microsoft.com/office/drawing/2014/main" id="{2895260D-06C8-E148-AFC1-4977F21A1E9B}"/>
+              </a:ext>
+            </a:extLst>
+          </p:cNvPr>
+          <p:cNvSpPr>
+            <a:spLocks noChangeAspect="1"/>
+          </p:cNvSpPr>
+          <p:nvPr/>
+        </p:nvSpPr>
+        <p:spPr bwMode="ltGray">
+          <a:xfrm>
+            <a:off x="6110752" y="1145095"/>
+            <a:ext cx="252000" cy="252000"/>
+          </a:xfrm>
+          <a:prstGeom prst="ellipse">
+            <a:avLst/>
+          </a:prstGeom>
+          <a:solidFill>
+            <a:srgbClr val="C00000"/>
+          </a:solidFill>
+          <a:ln w="12700">
+            <a:noFill/>
+          </a:ln>
+        </p:spPr>
+        <p:style>
+          <a:lnRef idx="2">
+            <a:schemeClr val="accent1">
+              <a:shade val="50000"/>
+            </a:schemeClr>
+          </a:lnRef>
+          <a:fillRef idx="1">
+            <a:schemeClr val="accent1"/>
+          </a:fillRef>
+          <a:effectRef idx="0">
+            <a:schemeClr val="accent1"/>
+          </a:effectRef>
+          <a:fontRef idx="minor">
+            <a:schemeClr val="lt1"/>
+          </a:fontRef>
+        </p:style>
+        <p:txBody>
+          <a:bodyPr rot="0" spcFirstLastPara="0" vertOverflow="overflow" horzOverflow="overflow" vert="horz" wrap="square" lIns="91440" tIns="45720" rIns="91440" bIns="45720" numCol="1" spcCol="0" rtlCol="0" fromWordArt="0" anchor="t" anchorCtr="0" forceAA="0" compatLnSpc="1">
+            <a:prstTxWarp prst="textNoShape">
               <a:avLst/>
-            </a:prstGeom>
-            <a:solidFill>
-              <a:srgbClr val="0070C0"/>
-            </a:solidFill>
-            <a:ln w="12700">
-              <a:noFill/>
-            </a:ln>
-          </p:spPr>
-          <p:style>
-            <a:lnRef idx="2">
-              <a:schemeClr val="accent1">
-                <a:shade val="50000"/>
-              </a:schemeClr>
-            </a:lnRef>
-            <a:fillRef idx="1">
-              <a:schemeClr val="accent1"/>
-            </a:fillRef>
-            <a:effectRef idx="0">
-              <a:schemeClr val="accent1"/>
-            </a:effectRef>
-            <a:fontRef idx="minor">
-              <a:schemeClr val="lt1"/>
-            </a:fontRef>
-          </p:style>
-          <p:txBody>
-            <a:bodyPr rot="0" spcFirstLastPara="0" vertOverflow="overflow" horzOverflow="overflow" vert="horz" wrap="square" lIns="91440" tIns="45720" rIns="91440" bIns="45720" numCol="1" spcCol="0" rtlCol="0" fromWordArt="0" anchor="t" anchorCtr="0" forceAA="0" compatLnSpc="1">
-              <a:prstTxWarp prst="textNoShape">
-                <a:avLst/>
-              </a:prstTxWarp>
-              <a:noAutofit/>
-            </a:bodyPr>
-            <a:lstStyle/>
-            <a:p>
-              <a:pPr algn="l"/>
-              <a:endParaRPr lang="en-US" sz="1600" dirty="0" err="1"/>
-            </a:p>
-          </p:txBody>
-        </p:sp>
-        <p:sp>
-          <p:nvSpPr>
-            <p:cNvPr id="72" name="Rectángulo 71">
-              <a:extLst>
-                <a:ext uri="{FF2B5EF4-FFF2-40B4-BE49-F238E27FC236}">
-                  <a16:creationId xmlns:a16="http://schemas.microsoft.com/office/drawing/2014/main" id="{31A1B552-B590-294E-B31A-4D23F441DB83}"/>
-                </a:ext>
-              </a:extLst>
-            </p:cNvPr>
-            <p:cNvSpPr/>
-            <p:nvPr/>
-          </p:nvSpPr>
-          <p:spPr bwMode="ltGray">
-            <a:xfrm>
-              <a:off x="10068076" y="3450681"/>
-              <a:ext cx="180000" cy="36000"/>
-            </a:xfrm>
-            <a:prstGeom prst="rect">
+            </a:prstTxWarp>
+            <a:noAutofit/>
+          </a:bodyPr>
+          <a:lstStyle/>
+          <a:p>
+            <a:pPr algn="l"/>
+            <a:endParaRPr lang="en-US" sz="1600" b="0" dirty="0" err="1"/>
+          </a:p>
+        </p:txBody>
+      </p:sp>
+      <p:sp>
+        <p:nvSpPr>
+          <p:cNvPr id="35" name="Elipse 34">
+            <a:extLst>
+              <a:ext uri="{FF2B5EF4-FFF2-40B4-BE49-F238E27FC236}">
+                <a16:creationId xmlns:a16="http://schemas.microsoft.com/office/drawing/2014/main" id="{4B678551-313E-7F4B-ACB5-E74318576080}"/>
+              </a:ext>
+            </a:extLst>
+          </p:cNvPr>
+          <p:cNvSpPr>
+            <a:spLocks noChangeAspect="1"/>
+          </p:cNvSpPr>
+          <p:nvPr/>
+        </p:nvSpPr>
+        <p:spPr bwMode="ltGray">
+          <a:xfrm>
+            <a:off x="6110752" y="1484208"/>
+            <a:ext cx="252000" cy="252000"/>
+          </a:xfrm>
+          <a:prstGeom prst="ellipse">
+            <a:avLst/>
+          </a:prstGeom>
+          <a:solidFill>
+            <a:srgbClr val="0070C0"/>
+          </a:solidFill>
+          <a:ln w="12700">
+            <a:noFill/>
+          </a:ln>
+        </p:spPr>
+        <p:style>
+          <a:lnRef idx="2">
+            <a:schemeClr val="accent1">
+              <a:shade val="50000"/>
+            </a:schemeClr>
+          </a:lnRef>
+          <a:fillRef idx="1">
+            <a:schemeClr val="accent1"/>
+          </a:fillRef>
+          <a:effectRef idx="0">
+            <a:schemeClr val="accent1"/>
+          </a:effectRef>
+          <a:fontRef idx="minor">
+            <a:schemeClr val="lt1"/>
+          </a:fontRef>
+        </p:style>
+        <p:txBody>
+          <a:bodyPr rot="0" spcFirstLastPara="0" vertOverflow="overflow" horzOverflow="overflow" vert="horz" wrap="square" lIns="91440" tIns="45720" rIns="91440" bIns="45720" numCol="1" spcCol="0" rtlCol="0" fromWordArt="0" anchor="t" anchorCtr="0" forceAA="0" compatLnSpc="1">
+            <a:prstTxWarp prst="textNoShape">
               <a:avLst/>
-            </a:prstGeom>
-            <a:solidFill>
-              <a:srgbClr val="C00000"/>
-            </a:solidFill>
-            <a:ln w="12700">
-              <a:noFill/>
-            </a:ln>
-          </p:spPr>
-          <p:style>
-            <a:lnRef idx="2">
-              <a:schemeClr val="accent1">
-                <a:shade val="50000"/>
-              </a:schemeClr>
-            </a:lnRef>
-            <a:fillRef idx="1">
-              <a:schemeClr val="accent1"/>
-            </a:fillRef>
-            <a:effectRef idx="0">
-              <a:schemeClr val="accent1"/>
-            </a:effectRef>
-            <a:fontRef idx="minor">
-              <a:schemeClr val="lt1"/>
-            </a:fontRef>
-          </p:style>
-          <p:txBody>
-            <a:bodyPr rot="0" spcFirstLastPara="0" vertOverflow="overflow" horzOverflow="overflow" vert="horz" wrap="square" lIns="91440" tIns="45720" rIns="91440" bIns="45720" numCol="1" spcCol="0" rtlCol="0" fromWordArt="0" anchor="t" anchorCtr="0" forceAA="0" compatLnSpc="1">
-              <a:prstTxWarp prst="textNoShape">
-                <a:avLst/>
-              </a:prstTxWarp>
-              <a:noAutofit/>
-            </a:bodyPr>
-            <a:lstStyle/>
-            <a:p>
-              <a:pPr algn="l"/>
-              <a:endParaRPr lang="en-US" sz="1600" dirty="0" err="1"/>
-            </a:p>
-          </p:txBody>
-        </p:sp>
-        <p:sp>
-          <p:nvSpPr>
-            <p:cNvPr id="73" name="Rectángulo 72">
-              <a:extLst>
-                <a:ext uri="{FF2B5EF4-FFF2-40B4-BE49-F238E27FC236}">
-                  <a16:creationId xmlns:a16="http://schemas.microsoft.com/office/drawing/2014/main" id="{555BB357-394C-6D43-BB76-86A8B60737F8}"/>
-                </a:ext>
-              </a:extLst>
-            </p:cNvPr>
-            <p:cNvSpPr/>
-            <p:nvPr/>
-          </p:nvSpPr>
-          <p:spPr bwMode="ltGray">
-            <a:xfrm>
-              <a:off x="10380370" y="3253668"/>
-              <a:ext cx="180000" cy="216000"/>
-            </a:xfrm>
-            <a:prstGeom prst="rect">
-              <a:avLst/>
-            </a:prstGeom>
-            <a:solidFill>
-              <a:srgbClr val="C00000"/>
-            </a:solidFill>
-            <a:ln w="12700">
-              <a:noFill/>
-            </a:ln>
-          </p:spPr>
-          <p:style>
-            <a:lnRef idx="2">
-              <a:schemeClr val="accent1">
-                <a:shade val="50000"/>
-              </a:schemeClr>
-            </a:lnRef>
-            <a:fillRef idx="1">
-              <a:schemeClr val="accent1"/>
-            </a:fillRef>
-            <a:effectRef idx="0">
-              <a:schemeClr val="accent1"/>
-            </a:effectRef>
-            <a:fontRef idx="minor">
-              <a:schemeClr val="lt1"/>
-            </a:fontRef>
-          </p:style>
-          <p:txBody>
-            <a:bodyPr rot="0" spcFirstLastPara="0" vertOverflow="overflow" horzOverflow="overflow" vert="horz" wrap="square" lIns="91440" tIns="45720" rIns="91440" bIns="45720" numCol="1" spcCol="0" rtlCol="0" fromWordArt="0" anchor="t" anchorCtr="0" forceAA="0" compatLnSpc="1">
-              <a:prstTxWarp prst="textNoShape">
-                <a:avLst/>
-              </a:prstTxWarp>
-              <a:noAutofit/>
-            </a:bodyPr>
-            <a:lstStyle/>
-            <a:p>
-              <a:pPr algn="l"/>
-              <a:endParaRPr lang="en-US" sz="1600" dirty="0" err="1"/>
-            </a:p>
-          </p:txBody>
-        </p:sp>
-        <p:sp>
-          <p:nvSpPr>
-            <p:cNvPr id="74" name="CuadroTexto 73">
-              <a:extLst>
-                <a:ext uri="{FF2B5EF4-FFF2-40B4-BE49-F238E27FC236}">
-                  <a16:creationId xmlns:a16="http://schemas.microsoft.com/office/drawing/2014/main" id="{997B5FC3-A126-A54D-921C-14558F959489}"/>
-                </a:ext>
-              </a:extLst>
-            </p:cNvPr>
-            <p:cNvSpPr txBox="1"/>
-            <p:nvPr/>
-          </p:nvSpPr>
-          <p:spPr>
-            <a:xfrm>
-              <a:off x="6983493" y="2978527"/>
-              <a:ext cx="174728" cy="184666"/>
-            </a:xfrm>
-            <a:prstGeom prst="rect">
-              <a:avLst/>
-            </a:prstGeom>
-            <a:noFill/>
-          </p:spPr>
-          <p:txBody>
-            <a:bodyPr wrap="none" lIns="0" tIns="0" rIns="0" bIns="0" rtlCol="0">
-              <a:spAutoFit/>
-            </a:bodyPr>
-            <a:lstStyle/>
-            <a:p>
-              <a:r>
-                <a:rPr lang="en-US" sz="1200" dirty="0"/>
-                <a:t>+1</a:t>
-              </a:r>
-            </a:p>
-          </p:txBody>
-        </p:sp>
-        <p:sp>
-          <p:nvSpPr>
-            <p:cNvPr id="75" name="CuadroTexto 74">
-              <a:extLst>
-                <a:ext uri="{FF2B5EF4-FFF2-40B4-BE49-F238E27FC236}">
-                  <a16:creationId xmlns:a16="http://schemas.microsoft.com/office/drawing/2014/main" id="{098C6767-18A3-504F-BF00-5EFAA2753936}"/>
-                </a:ext>
-              </a:extLst>
-            </p:cNvPr>
-            <p:cNvSpPr txBox="1"/>
-            <p:nvPr/>
-          </p:nvSpPr>
-          <p:spPr>
-            <a:xfrm>
-              <a:off x="7326447" y="2743335"/>
-              <a:ext cx="174728" cy="184666"/>
-            </a:xfrm>
-            <a:prstGeom prst="rect">
-              <a:avLst/>
-            </a:prstGeom>
-            <a:noFill/>
-          </p:spPr>
-          <p:txBody>
-            <a:bodyPr wrap="none" lIns="0" tIns="0" rIns="0" bIns="0" rtlCol="0">
-              <a:spAutoFit/>
-            </a:bodyPr>
-            <a:lstStyle/>
-            <a:p>
-              <a:r>
-                <a:rPr lang="en-US" sz="1200" dirty="0"/>
-                <a:t>+2</a:t>
-              </a:r>
-            </a:p>
-          </p:txBody>
-        </p:sp>
-        <p:sp>
-          <p:nvSpPr>
-            <p:cNvPr id="76" name="CuadroTexto 75">
-              <a:extLst>
-                <a:ext uri="{FF2B5EF4-FFF2-40B4-BE49-F238E27FC236}">
-                  <a16:creationId xmlns:a16="http://schemas.microsoft.com/office/drawing/2014/main" id="{1AC1130C-82B7-214F-99D8-4FEC9D53FBB9}"/>
-                </a:ext>
-              </a:extLst>
-            </p:cNvPr>
-            <p:cNvSpPr txBox="1"/>
-            <p:nvPr/>
-          </p:nvSpPr>
-          <p:spPr>
-            <a:xfrm>
-              <a:off x="7668305" y="2545298"/>
-              <a:ext cx="174728" cy="184666"/>
-            </a:xfrm>
-            <a:prstGeom prst="rect">
-              <a:avLst/>
-            </a:prstGeom>
-            <a:noFill/>
-          </p:spPr>
-          <p:txBody>
-            <a:bodyPr wrap="none" lIns="0" tIns="0" rIns="0" bIns="0" rtlCol="0">
-              <a:spAutoFit/>
-            </a:bodyPr>
-            <a:lstStyle/>
-            <a:p>
-              <a:r>
-                <a:rPr lang="en-US" sz="1200" dirty="0"/>
-                <a:t>+3</a:t>
-              </a:r>
-            </a:p>
-          </p:txBody>
-        </p:sp>
-        <p:sp>
-          <p:nvSpPr>
-            <p:cNvPr id="77" name="CuadroTexto 76">
-              <a:extLst>
-                <a:ext uri="{FF2B5EF4-FFF2-40B4-BE49-F238E27FC236}">
-                  <a16:creationId xmlns:a16="http://schemas.microsoft.com/office/drawing/2014/main" id="{03EE609A-DACD-604B-BAF4-8A28997F89E4}"/>
-                </a:ext>
-              </a:extLst>
-            </p:cNvPr>
-            <p:cNvSpPr txBox="1"/>
-            <p:nvPr/>
-          </p:nvSpPr>
-          <p:spPr>
-            <a:xfrm>
-              <a:off x="8029343" y="2333863"/>
-              <a:ext cx="174728" cy="184666"/>
-            </a:xfrm>
-            <a:prstGeom prst="rect">
-              <a:avLst/>
-            </a:prstGeom>
-            <a:noFill/>
-          </p:spPr>
-          <p:txBody>
-            <a:bodyPr wrap="none" lIns="0" tIns="0" rIns="0" bIns="0" rtlCol="0">
-              <a:spAutoFit/>
-            </a:bodyPr>
-            <a:lstStyle/>
-            <a:p>
-              <a:r>
-                <a:rPr lang="en-US" sz="1200" dirty="0"/>
-                <a:t>+4</a:t>
-              </a:r>
-            </a:p>
-          </p:txBody>
-        </p:sp>
-        <p:sp>
-          <p:nvSpPr>
-            <p:cNvPr id="78" name="CuadroTexto 77">
-              <a:extLst>
-                <a:ext uri="{FF2B5EF4-FFF2-40B4-BE49-F238E27FC236}">
-                  <a16:creationId xmlns:a16="http://schemas.microsoft.com/office/drawing/2014/main" id="{8D6808E7-3A61-B44B-B220-9A3AF9913541}"/>
-                </a:ext>
-              </a:extLst>
-            </p:cNvPr>
-            <p:cNvSpPr txBox="1"/>
-            <p:nvPr/>
-          </p:nvSpPr>
-          <p:spPr>
-            <a:xfrm>
-              <a:off x="8365929" y="2529252"/>
-              <a:ext cx="174728" cy="184666"/>
-            </a:xfrm>
-            <a:prstGeom prst="rect">
-              <a:avLst/>
-            </a:prstGeom>
-            <a:noFill/>
-          </p:spPr>
-          <p:txBody>
-            <a:bodyPr wrap="none" lIns="0" tIns="0" rIns="0" bIns="0" rtlCol="0">
-              <a:spAutoFit/>
-            </a:bodyPr>
-            <a:lstStyle/>
-            <a:p>
-              <a:r>
-                <a:rPr lang="en-US" sz="1200" dirty="0"/>
-                <a:t>+3</a:t>
-              </a:r>
-            </a:p>
-          </p:txBody>
-        </p:sp>
-        <p:sp>
-          <p:nvSpPr>
-            <p:cNvPr id="79" name="CuadroTexto 78">
-              <a:extLst>
-                <a:ext uri="{FF2B5EF4-FFF2-40B4-BE49-F238E27FC236}">
-                  <a16:creationId xmlns:a16="http://schemas.microsoft.com/office/drawing/2014/main" id="{4856CB52-E4FA-3D42-A561-DE0E2C87D847}"/>
-                </a:ext>
-              </a:extLst>
-            </p:cNvPr>
-            <p:cNvSpPr txBox="1"/>
-            <p:nvPr/>
-          </p:nvSpPr>
-          <p:spPr>
-            <a:xfrm>
-              <a:off x="8724331" y="2761110"/>
-              <a:ext cx="174728" cy="184666"/>
-            </a:xfrm>
-            <a:prstGeom prst="rect">
-              <a:avLst/>
-            </a:prstGeom>
-            <a:noFill/>
-          </p:spPr>
-          <p:txBody>
-            <a:bodyPr wrap="none" lIns="0" tIns="0" rIns="0" bIns="0" rtlCol="0">
-              <a:spAutoFit/>
-            </a:bodyPr>
-            <a:lstStyle/>
-            <a:p>
-              <a:r>
-                <a:rPr lang="en-US" sz="1200" dirty="0"/>
-                <a:t>+2</a:t>
-              </a:r>
-            </a:p>
-          </p:txBody>
-        </p:sp>
-        <p:sp>
-          <p:nvSpPr>
-            <p:cNvPr id="80" name="CuadroTexto 79">
-              <a:extLst>
-                <a:ext uri="{FF2B5EF4-FFF2-40B4-BE49-F238E27FC236}">
-                  <a16:creationId xmlns:a16="http://schemas.microsoft.com/office/drawing/2014/main" id="{7C421B24-2DB5-7642-B38F-136FD5A8BDC2}"/>
-                </a:ext>
-              </a:extLst>
-            </p:cNvPr>
-            <p:cNvSpPr txBox="1"/>
-            <p:nvPr/>
-          </p:nvSpPr>
-          <p:spPr>
-            <a:xfrm>
-              <a:off x="9089940" y="3010008"/>
-              <a:ext cx="174728" cy="184666"/>
-            </a:xfrm>
-            <a:prstGeom prst="rect">
-              <a:avLst/>
-            </a:prstGeom>
-            <a:noFill/>
-          </p:spPr>
-          <p:txBody>
-            <a:bodyPr wrap="none" lIns="0" tIns="0" rIns="0" bIns="0" rtlCol="0">
-              <a:spAutoFit/>
-            </a:bodyPr>
-            <a:lstStyle/>
-            <a:p>
-              <a:r>
-                <a:rPr lang="en-US" sz="1200" dirty="0"/>
-                <a:t>+1</a:t>
-              </a:r>
-            </a:p>
-          </p:txBody>
-        </p:sp>
-        <p:sp>
-          <p:nvSpPr>
-            <p:cNvPr id="81" name="CuadroTexto 80">
-              <a:extLst>
-                <a:ext uri="{FF2B5EF4-FFF2-40B4-BE49-F238E27FC236}">
-                  <a16:creationId xmlns:a16="http://schemas.microsoft.com/office/drawing/2014/main" id="{46A9DFAF-7BD7-834D-9E9E-B907F4351447}"/>
-                </a:ext>
-              </a:extLst>
-            </p:cNvPr>
-            <p:cNvSpPr txBox="1"/>
-            <p:nvPr/>
-          </p:nvSpPr>
-          <p:spPr>
-            <a:xfrm>
-              <a:off x="9450227" y="3262062"/>
-              <a:ext cx="84960" cy="184666"/>
-            </a:xfrm>
-            <a:prstGeom prst="rect">
-              <a:avLst/>
-            </a:prstGeom>
-            <a:noFill/>
-          </p:spPr>
-          <p:txBody>
-            <a:bodyPr wrap="none" lIns="0" tIns="0" rIns="0" bIns="0" rtlCol="0">
-              <a:spAutoFit/>
-            </a:bodyPr>
-            <a:lstStyle/>
-            <a:p>
-              <a:r>
-                <a:rPr lang="en-US" sz="1200" dirty="0"/>
-                <a:t>0</a:t>
-              </a:r>
-            </a:p>
-          </p:txBody>
-        </p:sp>
-        <p:sp>
-          <p:nvSpPr>
-            <p:cNvPr id="82" name="CuadroTexto 81">
-              <a:extLst>
-                <a:ext uri="{FF2B5EF4-FFF2-40B4-BE49-F238E27FC236}">
-                  <a16:creationId xmlns:a16="http://schemas.microsoft.com/office/drawing/2014/main" id="{0E028432-9179-B444-9DCC-AA228C557E2F}"/>
-                </a:ext>
-              </a:extLst>
-            </p:cNvPr>
-            <p:cNvSpPr txBox="1"/>
-            <p:nvPr/>
-          </p:nvSpPr>
-          <p:spPr>
-            <a:xfrm>
-              <a:off x="9762036" y="3731001"/>
-              <a:ext cx="136256" cy="184666"/>
-            </a:xfrm>
-            <a:prstGeom prst="rect">
-              <a:avLst/>
-            </a:prstGeom>
-            <a:noFill/>
-          </p:spPr>
-          <p:txBody>
-            <a:bodyPr wrap="none" lIns="0" tIns="0" rIns="0" bIns="0" rtlCol="0">
-              <a:spAutoFit/>
-            </a:bodyPr>
-            <a:lstStyle/>
-            <a:p>
-              <a:r>
-                <a:rPr lang="en-US" sz="1200" dirty="0"/>
-                <a:t>-1</a:t>
-              </a:r>
-            </a:p>
-          </p:txBody>
-        </p:sp>
-        <p:sp>
-          <p:nvSpPr>
-            <p:cNvPr id="83" name="CuadroTexto 82">
-              <a:extLst>
-                <a:ext uri="{FF2B5EF4-FFF2-40B4-BE49-F238E27FC236}">
-                  <a16:creationId xmlns:a16="http://schemas.microsoft.com/office/drawing/2014/main" id="{495BB0E7-87F3-4B45-B95C-A87B06B0B429}"/>
-                </a:ext>
-              </a:extLst>
-            </p:cNvPr>
-            <p:cNvSpPr txBox="1"/>
-            <p:nvPr/>
-          </p:nvSpPr>
-          <p:spPr>
-            <a:xfrm>
-              <a:off x="10104347" y="3216455"/>
-              <a:ext cx="84960" cy="184666"/>
-            </a:xfrm>
-            <a:prstGeom prst="rect">
-              <a:avLst/>
-            </a:prstGeom>
-            <a:noFill/>
-          </p:spPr>
-          <p:txBody>
-            <a:bodyPr wrap="none" lIns="0" tIns="0" rIns="0" bIns="0" rtlCol="0">
-              <a:spAutoFit/>
-            </a:bodyPr>
-            <a:lstStyle/>
-            <a:p>
-              <a:r>
-                <a:rPr lang="en-US" sz="1200" dirty="0"/>
-                <a:t>0</a:t>
-              </a:r>
-            </a:p>
-          </p:txBody>
-        </p:sp>
-        <p:sp>
-          <p:nvSpPr>
-            <p:cNvPr id="84" name="CuadroTexto 83">
-              <a:extLst>
-                <a:ext uri="{FF2B5EF4-FFF2-40B4-BE49-F238E27FC236}">
-                  <a16:creationId xmlns:a16="http://schemas.microsoft.com/office/drawing/2014/main" id="{20822443-8451-9C4B-A4BA-BCD16EFE34F0}"/>
-                </a:ext>
-              </a:extLst>
-            </p:cNvPr>
-            <p:cNvSpPr txBox="1"/>
-            <p:nvPr/>
-          </p:nvSpPr>
-          <p:spPr>
-            <a:xfrm>
-              <a:off x="10379060" y="3007303"/>
-              <a:ext cx="174728" cy="184666"/>
-            </a:xfrm>
-            <a:prstGeom prst="rect">
-              <a:avLst/>
-            </a:prstGeom>
-            <a:noFill/>
-          </p:spPr>
-          <p:txBody>
-            <a:bodyPr wrap="none" lIns="0" tIns="0" rIns="0" bIns="0" rtlCol="0">
-              <a:spAutoFit/>
-            </a:bodyPr>
-            <a:lstStyle/>
-            <a:p>
-              <a:r>
-                <a:rPr lang="en-US" sz="1200" dirty="0"/>
-                <a:t>+1</a:t>
-              </a:r>
-            </a:p>
-          </p:txBody>
-        </p:sp>
-      </p:grpSp>
+            </a:prstTxWarp>
+            <a:noAutofit/>
+          </a:bodyPr>
+          <a:lstStyle/>
+          <a:p>
+            <a:pPr algn="l"/>
+            <a:endParaRPr lang="en-US" sz="1600" b="0" dirty="0" err="1"/>
+          </a:p>
+        </p:txBody>
+      </p:sp>
+      <p:sp>
+        <p:nvSpPr>
+          <p:cNvPr id="36" name="CuadroTexto 35">
+            <a:extLst>
+              <a:ext uri="{FF2B5EF4-FFF2-40B4-BE49-F238E27FC236}">
+                <a16:creationId xmlns:a16="http://schemas.microsoft.com/office/drawing/2014/main" id="{D8E4D984-ADCB-524D-854B-5373C9CBD12C}"/>
+              </a:ext>
+            </a:extLst>
+          </p:cNvPr>
+          <p:cNvSpPr txBox="1"/>
+          <p:nvPr/>
+        </p:nvSpPr>
+        <p:spPr>
+          <a:xfrm>
+            <a:off x="6464968" y="1109492"/>
+            <a:ext cx="1914482" cy="276999"/>
+          </a:xfrm>
+          <a:prstGeom prst="rect">
+            <a:avLst/>
+          </a:prstGeom>
+          <a:noFill/>
+        </p:spPr>
+        <p:txBody>
+          <a:bodyPr wrap="square" lIns="0" tIns="0" rIns="0" bIns="0" rtlCol="0" anchor="ctr">
+            <a:spAutoFit/>
+          </a:bodyPr>
+          <a:lstStyle/>
+          <a:p>
+            <a:r>
+              <a:rPr lang="en-US" dirty="0"/>
+              <a:t>tap up / shunt on</a:t>
+            </a:r>
+          </a:p>
+        </p:txBody>
+      </p:sp>
+      <p:sp>
+        <p:nvSpPr>
+          <p:cNvPr id="37" name="CuadroTexto 36">
+            <a:extLst>
+              <a:ext uri="{FF2B5EF4-FFF2-40B4-BE49-F238E27FC236}">
+                <a16:creationId xmlns:a16="http://schemas.microsoft.com/office/drawing/2014/main" id="{2F62BF02-F577-1749-B598-28AFA3A9250D}"/>
+              </a:ext>
+            </a:extLst>
+          </p:cNvPr>
+          <p:cNvSpPr txBox="1"/>
+          <p:nvPr/>
+        </p:nvSpPr>
+        <p:spPr>
+          <a:xfrm>
+            <a:off x="6466408" y="1471708"/>
+            <a:ext cx="2155182" cy="276999"/>
+          </a:xfrm>
+          <a:prstGeom prst="rect">
+            <a:avLst/>
+          </a:prstGeom>
+          <a:noFill/>
+        </p:spPr>
+        <p:txBody>
+          <a:bodyPr wrap="square" lIns="0" tIns="0" rIns="0" bIns="0" rtlCol="0" anchor="ctr">
+            <a:spAutoFit/>
+          </a:bodyPr>
+          <a:lstStyle/>
+          <a:p>
+            <a:r>
+              <a:rPr lang="en-US" dirty="0"/>
+              <a:t>tap down / shunt off</a:t>
+            </a:r>
+          </a:p>
+        </p:txBody>
+      </p:sp>
+      <p:sp>
+        <p:nvSpPr>
+          <p:cNvPr id="3" name="CuadroTexto 2">
+            <a:extLst>
+              <a:ext uri="{FF2B5EF4-FFF2-40B4-BE49-F238E27FC236}">
+                <a16:creationId xmlns:a16="http://schemas.microsoft.com/office/drawing/2014/main" id="{F2604D7B-600F-4144-8E85-81A8BCABFF7C}"/>
+              </a:ext>
+            </a:extLst>
+          </p:cNvPr>
+          <p:cNvSpPr txBox="1"/>
+          <p:nvPr/>
+        </p:nvSpPr>
+        <p:spPr>
+          <a:xfrm>
+            <a:off x="5070223" y="4963250"/>
+            <a:ext cx="3259032" cy="276999"/>
+          </a:xfrm>
+          <a:prstGeom prst="rect">
+            <a:avLst/>
+          </a:prstGeom>
+          <a:noFill/>
+        </p:spPr>
+        <p:txBody>
+          <a:bodyPr wrap="square" lIns="0" tIns="0" rIns="0" bIns="0" rtlCol="0">
+            <a:spAutoFit/>
+          </a:bodyPr>
+          <a:lstStyle/>
+          <a:p>
+            <a:r>
+              <a:rPr lang="en-US" i="1" dirty="0">
+                <a:latin typeface="Times New Roman" panose="02020603050405020304" pitchFamily="18" charset="0"/>
+                <a:cs typeface="Times New Roman" panose="02020603050405020304" pitchFamily="18" charset="0"/>
+              </a:rPr>
+              <a:t>* p2pchange is not used for shunts</a:t>
+            </a:r>
+          </a:p>
+        </p:txBody>
+      </p:sp>
     </p:spTree>
     <p:extLst>
       <p:ext uri="{BB962C8B-B14F-4D97-AF65-F5344CB8AC3E}">
